--- a/Report.pptx
+++ b/Report.pptx
@@ -107,6 +107,11 @@
       </a:defRPr>
     </a:lvl9pPr>
   </p:defaultTextStyle>
+  <p:extLst>
+    <p:ext uri="{EFAFB233-063F-42B5-8137-9DF3F51BA10A}">
+      <p15:sldGuideLst xmlns:p15="http://schemas.microsoft.com/office/powerpoint/2012/main"/>
+    </p:ext>
+  </p:extLst>
 </p:presentation>
 </file>
 
@@ -132,7 +137,7 @@
           <p:cNvPr id="2" name="제목 1">
             <a:extLst>
               <a:ext uri="{FF2B5EF4-FFF2-40B4-BE49-F238E27FC236}">
-                <a16:creationId xmlns:a16="http://schemas.microsoft.com/office/drawing/2014/main" id="{DFF2C538-D806-482C-A2DB-B6D71CAEFF10}"/>
+                <a16:creationId xmlns="" xmlns:a16="http://schemas.microsoft.com/office/drawing/2014/main" id="{DFF2C538-D806-482C-A2DB-B6D71CAEFF10}"/>
               </a:ext>
             </a:extLst>
           </p:cNvPr>
@@ -169,7 +174,7 @@
           <p:cNvPr id="3" name="부제목 2">
             <a:extLst>
               <a:ext uri="{FF2B5EF4-FFF2-40B4-BE49-F238E27FC236}">
-                <a16:creationId xmlns:a16="http://schemas.microsoft.com/office/drawing/2014/main" id="{EDDD2879-CD7B-4233-9A6A-172FFF343EAC}"/>
+                <a16:creationId xmlns="" xmlns:a16="http://schemas.microsoft.com/office/drawing/2014/main" id="{EDDD2879-CD7B-4233-9A6A-172FFF343EAC}"/>
               </a:ext>
             </a:extLst>
           </p:cNvPr>
@@ -239,7 +244,7 @@
           <p:cNvPr id="4" name="날짜 개체 틀 3">
             <a:extLst>
               <a:ext uri="{FF2B5EF4-FFF2-40B4-BE49-F238E27FC236}">
-                <a16:creationId xmlns:a16="http://schemas.microsoft.com/office/drawing/2014/main" id="{91828984-E658-4BB8-8874-BD8317ABCF37}"/>
+                <a16:creationId xmlns="" xmlns:a16="http://schemas.microsoft.com/office/drawing/2014/main" id="{91828984-E658-4BB8-8874-BD8317ABCF37}"/>
               </a:ext>
             </a:extLst>
           </p:cNvPr>
@@ -257,7 +262,7 @@
           <a:p>
             <a:fld id="{96E9B245-2076-40CB-ACDE-D58775C98695}" type="datetimeFigureOut">
               <a:rPr lang="ko-KR" altLang="en-US" smtClean="0"/>
-              <a:t>2020-11-16</a:t>
+              <a:t>2020-11-26</a:t>
             </a:fld>
             <a:endParaRPr lang="ko-KR" altLang="en-US"/>
           </a:p>
@@ -268,7 +273,7 @@
           <p:cNvPr id="5" name="바닥글 개체 틀 4">
             <a:extLst>
               <a:ext uri="{FF2B5EF4-FFF2-40B4-BE49-F238E27FC236}">
-                <a16:creationId xmlns:a16="http://schemas.microsoft.com/office/drawing/2014/main" id="{80DBA16E-4FB5-4E05-82C8-EC468F2F1C88}"/>
+                <a16:creationId xmlns="" xmlns:a16="http://schemas.microsoft.com/office/drawing/2014/main" id="{80DBA16E-4FB5-4E05-82C8-EC468F2F1C88}"/>
               </a:ext>
             </a:extLst>
           </p:cNvPr>
@@ -293,7 +298,7 @@
           <p:cNvPr id="6" name="슬라이드 번호 개체 틀 5">
             <a:extLst>
               <a:ext uri="{FF2B5EF4-FFF2-40B4-BE49-F238E27FC236}">
-                <a16:creationId xmlns:a16="http://schemas.microsoft.com/office/drawing/2014/main" id="{7146A1BC-E5B2-40C7-AC5F-51DAF5749BC7}"/>
+                <a16:creationId xmlns="" xmlns:a16="http://schemas.microsoft.com/office/drawing/2014/main" id="{7146A1BC-E5B2-40C7-AC5F-51DAF5749BC7}"/>
               </a:ext>
             </a:extLst>
           </p:cNvPr>
@@ -352,7 +357,7 @@
           <p:cNvPr id="2" name="제목 1">
             <a:extLst>
               <a:ext uri="{FF2B5EF4-FFF2-40B4-BE49-F238E27FC236}">
-                <a16:creationId xmlns:a16="http://schemas.microsoft.com/office/drawing/2014/main" id="{2C200C31-E912-4EAD-B401-D8CFE142BA3D}"/>
+                <a16:creationId xmlns="" xmlns:a16="http://schemas.microsoft.com/office/drawing/2014/main" id="{2C200C31-E912-4EAD-B401-D8CFE142BA3D}"/>
               </a:ext>
             </a:extLst>
           </p:cNvPr>
@@ -380,7 +385,7 @@
           <p:cNvPr id="3" name="세로 텍스트 개체 틀 2">
             <a:extLst>
               <a:ext uri="{FF2B5EF4-FFF2-40B4-BE49-F238E27FC236}">
-                <a16:creationId xmlns:a16="http://schemas.microsoft.com/office/drawing/2014/main" id="{F74BD3C7-1BB9-49E9-B8EF-5B539DF08FA6}"/>
+                <a16:creationId xmlns="" xmlns:a16="http://schemas.microsoft.com/office/drawing/2014/main" id="{F74BD3C7-1BB9-49E9-B8EF-5B539DF08FA6}"/>
               </a:ext>
             </a:extLst>
           </p:cNvPr>
@@ -437,7 +442,7 @@
           <p:cNvPr id="4" name="날짜 개체 틀 3">
             <a:extLst>
               <a:ext uri="{FF2B5EF4-FFF2-40B4-BE49-F238E27FC236}">
-                <a16:creationId xmlns:a16="http://schemas.microsoft.com/office/drawing/2014/main" id="{290F2357-D9AA-433F-8F81-5C993592B425}"/>
+                <a16:creationId xmlns="" xmlns:a16="http://schemas.microsoft.com/office/drawing/2014/main" id="{290F2357-D9AA-433F-8F81-5C993592B425}"/>
               </a:ext>
             </a:extLst>
           </p:cNvPr>
@@ -455,7 +460,7 @@
           <a:p>
             <a:fld id="{96E9B245-2076-40CB-ACDE-D58775C98695}" type="datetimeFigureOut">
               <a:rPr lang="ko-KR" altLang="en-US" smtClean="0"/>
-              <a:t>2020-11-16</a:t>
+              <a:t>2020-11-26</a:t>
             </a:fld>
             <a:endParaRPr lang="ko-KR" altLang="en-US"/>
           </a:p>
@@ -466,7 +471,7 @@
           <p:cNvPr id="5" name="바닥글 개체 틀 4">
             <a:extLst>
               <a:ext uri="{FF2B5EF4-FFF2-40B4-BE49-F238E27FC236}">
-                <a16:creationId xmlns:a16="http://schemas.microsoft.com/office/drawing/2014/main" id="{628E1FB3-38AC-435D-B8A4-CF7D7CE8B797}"/>
+                <a16:creationId xmlns="" xmlns:a16="http://schemas.microsoft.com/office/drawing/2014/main" id="{628E1FB3-38AC-435D-B8A4-CF7D7CE8B797}"/>
               </a:ext>
             </a:extLst>
           </p:cNvPr>
@@ -491,7 +496,7 @@
           <p:cNvPr id="6" name="슬라이드 번호 개체 틀 5">
             <a:extLst>
               <a:ext uri="{FF2B5EF4-FFF2-40B4-BE49-F238E27FC236}">
-                <a16:creationId xmlns:a16="http://schemas.microsoft.com/office/drawing/2014/main" id="{97C244B1-A69D-4B5A-AD69-F18927F28661}"/>
+                <a16:creationId xmlns="" xmlns:a16="http://schemas.microsoft.com/office/drawing/2014/main" id="{97C244B1-A69D-4B5A-AD69-F18927F28661}"/>
               </a:ext>
             </a:extLst>
           </p:cNvPr>
@@ -550,7 +555,7 @@
           <p:cNvPr id="2" name="세로 제목 1">
             <a:extLst>
               <a:ext uri="{FF2B5EF4-FFF2-40B4-BE49-F238E27FC236}">
-                <a16:creationId xmlns:a16="http://schemas.microsoft.com/office/drawing/2014/main" id="{1D8A94B6-2162-4F60-9BBC-C21E6B88CC6A}"/>
+                <a16:creationId xmlns="" xmlns:a16="http://schemas.microsoft.com/office/drawing/2014/main" id="{1D8A94B6-2162-4F60-9BBC-C21E6B88CC6A}"/>
               </a:ext>
             </a:extLst>
           </p:cNvPr>
@@ -583,7 +588,7 @@
           <p:cNvPr id="3" name="세로 텍스트 개체 틀 2">
             <a:extLst>
               <a:ext uri="{FF2B5EF4-FFF2-40B4-BE49-F238E27FC236}">
-                <a16:creationId xmlns:a16="http://schemas.microsoft.com/office/drawing/2014/main" id="{327F81E0-B579-4AFC-8D26-0B0AA2EB793A}"/>
+                <a16:creationId xmlns="" xmlns:a16="http://schemas.microsoft.com/office/drawing/2014/main" id="{327F81E0-B579-4AFC-8D26-0B0AA2EB793A}"/>
               </a:ext>
             </a:extLst>
           </p:cNvPr>
@@ -645,7 +650,7 @@
           <p:cNvPr id="4" name="날짜 개체 틀 3">
             <a:extLst>
               <a:ext uri="{FF2B5EF4-FFF2-40B4-BE49-F238E27FC236}">
-                <a16:creationId xmlns:a16="http://schemas.microsoft.com/office/drawing/2014/main" id="{8012CA42-9A2D-42DA-833F-F6B0F0FEA294}"/>
+                <a16:creationId xmlns="" xmlns:a16="http://schemas.microsoft.com/office/drawing/2014/main" id="{8012CA42-9A2D-42DA-833F-F6B0F0FEA294}"/>
               </a:ext>
             </a:extLst>
           </p:cNvPr>
@@ -663,7 +668,7 @@
           <a:p>
             <a:fld id="{96E9B245-2076-40CB-ACDE-D58775C98695}" type="datetimeFigureOut">
               <a:rPr lang="ko-KR" altLang="en-US" smtClean="0"/>
-              <a:t>2020-11-16</a:t>
+              <a:t>2020-11-26</a:t>
             </a:fld>
             <a:endParaRPr lang="ko-KR" altLang="en-US"/>
           </a:p>
@@ -674,7 +679,7 @@
           <p:cNvPr id="5" name="바닥글 개체 틀 4">
             <a:extLst>
               <a:ext uri="{FF2B5EF4-FFF2-40B4-BE49-F238E27FC236}">
-                <a16:creationId xmlns:a16="http://schemas.microsoft.com/office/drawing/2014/main" id="{87C48F76-9144-47A0-B39B-43D67D773EFA}"/>
+                <a16:creationId xmlns="" xmlns:a16="http://schemas.microsoft.com/office/drawing/2014/main" id="{87C48F76-9144-47A0-B39B-43D67D773EFA}"/>
               </a:ext>
             </a:extLst>
           </p:cNvPr>
@@ -699,7 +704,7 @@
           <p:cNvPr id="6" name="슬라이드 번호 개체 틀 5">
             <a:extLst>
               <a:ext uri="{FF2B5EF4-FFF2-40B4-BE49-F238E27FC236}">
-                <a16:creationId xmlns:a16="http://schemas.microsoft.com/office/drawing/2014/main" id="{BD03FE9D-CDED-45AE-BB6B-8642BA36B85C}"/>
+                <a16:creationId xmlns="" xmlns:a16="http://schemas.microsoft.com/office/drawing/2014/main" id="{BD03FE9D-CDED-45AE-BB6B-8642BA36B85C}"/>
               </a:ext>
             </a:extLst>
           </p:cNvPr>
@@ -758,7 +763,7 @@
           <p:cNvPr id="2" name="제목 1">
             <a:extLst>
               <a:ext uri="{FF2B5EF4-FFF2-40B4-BE49-F238E27FC236}">
-                <a16:creationId xmlns:a16="http://schemas.microsoft.com/office/drawing/2014/main" id="{6FE76F51-D8DE-4B32-A5BD-F2E09A7A0405}"/>
+                <a16:creationId xmlns="" xmlns:a16="http://schemas.microsoft.com/office/drawing/2014/main" id="{6FE76F51-D8DE-4B32-A5BD-F2E09A7A0405}"/>
               </a:ext>
             </a:extLst>
           </p:cNvPr>
@@ -786,7 +791,7 @@
           <p:cNvPr id="3" name="내용 개체 틀 2">
             <a:extLst>
               <a:ext uri="{FF2B5EF4-FFF2-40B4-BE49-F238E27FC236}">
-                <a16:creationId xmlns:a16="http://schemas.microsoft.com/office/drawing/2014/main" id="{C152F7D0-83C5-4FE7-B256-A7EDE9715DA3}"/>
+                <a16:creationId xmlns="" xmlns:a16="http://schemas.microsoft.com/office/drawing/2014/main" id="{C152F7D0-83C5-4FE7-B256-A7EDE9715DA3}"/>
               </a:ext>
             </a:extLst>
           </p:cNvPr>
@@ -843,7 +848,7 @@
           <p:cNvPr id="4" name="날짜 개체 틀 3">
             <a:extLst>
               <a:ext uri="{FF2B5EF4-FFF2-40B4-BE49-F238E27FC236}">
-                <a16:creationId xmlns:a16="http://schemas.microsoft.com/office/drawing/2014/main" id="{74714CD9-A810-44F2-BF9D-81583CA9964C}"/>
+                <a16:creationId xmlns="" xmlns:a16="http://schemas.microsoft.com/office/drawing/2014/main" id="{74714CD9-A810-44F2-BF9D-81583CA9964C}"/>
               </a:ext>
             </a:extLst>
           </p:cNvPr>
@@ -861,7 +866,7 @@
           <a:p>
             <a:fld id="{96E9B245-2076-40CB-ACDE-D58775C98695}" type="datetimeFigureOut">
               <a:rPr lang="ko-KR" altLang="en-US" smtClean="0"/>
-              <a:t>2020-11-16</a:t>
+              <a:t>2020-11-26</a:t>
             </a:fld>
             <a:endParaRPr lang="ko-KR" altLang="en-US"/>
           </a:p>
@@ -872,7 +877,7 @@
           <p:cNvPr id="5" name="바닥글 개체 틀 4">
             <a:extLst>
               <a:ext uri="{FF2B5EF4-FFF2-40B4-BE49-F238E27FC236}">
-                <a16:creationId xmlns:a16="http://schemas.microsoft.com/office/drawing/2014/main" id="{7A73E13C-F272-445A-B2F4-F3536E3CD9DB}"/>
+                <a16:creationId xmlns="" xmlns:a16="http://schemas.microsoft.com/office/drawing/2014/main" id="{7A73E13C-F272-445A-B2F4-F3536E3CD9DB}"/>
               </a:ext>
             </a:extLst>
           </p:cNvPr>
@@ -897,7 +902,7 @@
           <p:cNvPr id="6" name="슬라이드 번호 개체 틀 5">
             <a:extLst>
               <a:ext uri="{FF2B5EF4-FFF2-40B4-BE49-F238E27FC236}">
-                <a16:creationId xmlns:a16="http://schemas.microsoft.com/office/drawing/2014/main" id="{5FD69B14-5B09-44DB-A25F-B5DDF46BA3BF}"/>
+                <a16:creationId xmlns="" xmlns:a16="http://schemas.microsoft.com/office/drawing/2014/main" id="{5FD69B14-5B09-44DB-A25F-B5DDF46BA3BF}"/>
               </a:ext>
             </a:extLst>
           </p:cNvPr>
@@ -956,7 +961,7 @@
           <p:cNvPr id="2" name="제목 1">
             <a:extLst>
               <a:ext uri="{FF2B5EF4-FFF2-40B4-BE49-F238E27FC236}">
-                <a16:creationId xmlns:a16="http://schemas.microsoft.com/office/drawing/2014/main" id="{64DC5775-F271-47E8-A583-6EFEE63E02E4}"/>
+                <a16:creationId xmlns="" xmlns:a16="http://schemas.microsoft.com/office/drawing/2014/main" id="{64DC5775-F271-47E8-A583-6EFEE63E02E4}"/>
               </a:ext>
             </a:extLst>
           </p:cNvPr>
@@ -993,7 +998,7 @@
           <p:cNvPr id="3" name="텍스트 개체 틀 2">
             <a:extLst>
               <a:ext uri="{FF2B5EF4-FFF2-40B4-BE49-F238E27FC236}">
-                <a16:creationId xmlns:a16="http://schemas.microsoft.com/office/drawing/2014/main" id="{FF409596-D62C-4792-A59C-FE192658696F}"/>
+                <a16:creationId xmlns="" xmlns:a16="http://schemas.microsoft.com/office/drawing/2014/main" id="{FF409596-D62C-4792-A59C-FE192658696F}"/>
               </a:ext>
             </a:extLst>
           </p:cNvPr>
@@ -1118,7 +1123,7 @@
           <p:cNvPr id="4" name="날짜 개체 틀 3">
             <a:extLst>
               <a:ext uri="{FF2B5EF4-FFF2-40B4-BE49-F238E27FC236}">
-                <a16:creationId xmlns:a16="http://schemas.microsoft.com/office/drawing/2014/main" id="{FD0950A4-2E88-4EB9-A44E-680FCB66EB70}"/>
+                <a16:creationId xmlns="" xmlns:a16="http://schemas.microsoft.com/office/drawing/2014/main" id="{FD0950A4-2E88-4EB9-A44E-680FCB66EB70}"/>
               </a:ext>
             </a:extLst>
           </p:cNvPr>
@@ -1136,7 +1141,7 @@
           <a:p>
             <a:fld id="{96E9B245-2076-40CB-ACDE-D58775C98695}" type="datetimeFigureOut">
               <a:rPr lang="ko-KR" altLang="en-US" smtClean="0"/>
-              <a:t>2020-11-16</a:t>
+              <a:t>2020-11-26</a:t>
             </a:fld>
             <a:endParaRPr lang="ko-KR" altLang="en-US"/>
           </a:p>
@@ -1147,7 +1152,7 @@
           <p:cNvPr id="5" name="바닥글 개체 틀 4">
             <a:extLst>
               <a:ext uri="{FF2B5EF4-FFF2-40B4-BE49-F238E27FC236}">
-                <a16:creationId xmlns:a16="http://schemas.microsoft.com/office/drawing/2014/main" id="{A0EBD91C-0203-4879-A666-62B1C0F803B8}"/>
+                <a16:creationId xmlns="" xmlns:a16="http://schemas.microsoft.com/office/drawing/2014/main" id="{A0EBD91C-0203-4879-A666-62B1C0F803B8}"/>
               </a:ext>
             </a:extLst>
           </p:cNvPr>
@@ -1172,7 +1177,7 @@
           <p:cNvPr id="6" name="슬라이드 번호 개체 틀 5">
             <a:extLst>
               <a:ext uri="{FF2B5EF4-FFF2-40B4-BE49-F238E27FC236}">
-                <a16:creationId xmlns:a16="http://schemas.microsoft.com/office/drawing/2014/main" id="{9EB3E498-A2A1-483D-8FD4-C4696FC7712C}"/>
+                <a16:creationId xmlns="" xmlns:a16="http://schemas.microsoft.com/office/drawing/2014/main" id="{9EB3E498-A2A1-483D-8FD4-C4696FC7712C}"/>
               </a:ext>
             </a:extLst>
           </p:cNvPr>
@@ -1231,7 +1236,7 @@
           <p:cNvPr id="2" name="제목 1">
             <a:extLst>
               <a:ext uri="{FF2B5EF4-FFF2-40B4-BE49-F238E27FC236}">
-                <a16:creationId xmlns:a16="http://schemas.microsoft.com/office/drawing/2014/main" id="{6B1E1476-701B-4239-8314-F85D481F2F48}"/>
+                <a16:creationId xmlns="" xmlns:a16="http://schemas.microsoft.com/office/drawing/2014/main" id="{6B1E1476-701B-4239-8314-F85D481F2F48}"/>
               </a:ext>
             </a:extLst>
           </p:cNvPr>
@@ -1259,7 +1264,7 @@
           <p:cNvPr id="3" name="내용 개체 틀 2">
             <a:extLst>
               <a:ext uri="{FF2B5EF4-FFF2-40B4-BE49-F238E27FC236}">
-                <a16:creationId xmlns:a16="http://schemas.microsoft.com/office/drawing/2014/main" id="{B074400D-9606-4BC1-82AC-9312A62DCCA3}"/>
+                <a16:creationId xmlns="" xmlns:a16="http://schemas.microsoft.com/office/drawing/2014/main" id="{B074400D-9606-4BC1-82AC-9312A62DCCA3}"/>
               </a:ext>
             </a:extLst>
           </p:cNvPr>
@@ -1321,7 +1326,7 @@
           <p:cNvPr id="4" name="내용 개체 틀 3">
             <a:extLst>
               <a:ext uri="{FF2B5EF4-FFF2-40B4-BE49-F238E27FC236}">
-                <a16:creationId xmlns:a16="http://schemas.microsoft.com/office/drawing/2014/main" id="{D2280C09-E2BD-49DE-959A-3FA14A4DB39B}"/>
+                <a16:creationId xmlns="" xmlns:a16="http://schemas.microsoft.com/office/drawing/2014/main" id="{D2280C09-E2BD-49DE-959A-3FA14A4DB39B}"/>
               </a:ext>
             </a:extLst>
           </p:cNvPr>
@@ -1383,7 +1388,7 @@
           <p:cNvPr id="5" name="날짜 개체 틀 4">
             <a:extLst>
               <a:ext uri="{FF2B5EF4-FFF2-40B4-BE49-F238E27FC236}">
-                <a16:creationId xmlns:a16="http://schemas.microsoft.com/office/drawing/2014/main" id="{E2A0322F-D0C5-4AD5-855E-65F1C46FAF66}"/>
+                <a16:creationId xmlns="" xmlns:a16="http://schemas.microsoft.com/office/drawing/2014/main" id="{E2A0322F-D0C5-4AD5-855E-65F1C46FAF66}"/>
               </a:ext>
             </a:extLst>
           </p:cNvPr>
@@ -1401,7 +1406,7 @@
           <a:p>
             <a:fld id="{96E9B245-2076-40CB-ACDE-D58775C98695}" type="datetimeFigureOut">
               <a:rPr lang="ko-KR" altLang="en-US" smtClean="0"/>
-              <a:t>2020-11-16</a:t>
+              <a:t>2020-11-26</a:t>
             </a:fld>
             <a:endParaRPr lang="ko-KR" altLang="en-US"/>
           </a:p>
@@ -1412,7 +1417,7 @@
           <p:cNvPr id="6" name="바닥글 개체 틀 5">
             <a:extLst>
               <a:ext uri="{FF2B5EF4-FFF2-40B4-BE49-F238E27FC236}">
-                <a16:creationId xmlns:a16="http://schemas.microsoft.com/office/drawing/2014/main" id="{4333CE0F-758F-4350-B0C3-2752F545DE39}"/>
+                <a16:creationId xmlns="" xmlns:a16="http://schemas.microsoft.com/office/drawing/2014/main" id="{4333CE0F-758F-4350-B0C3-2752F545DE39}"/>
               </a:ext>
             </a:extLst>
           </p:cNvPr>
@@ -1437,7 +1442,7 @@
           <p:cNvPr id="7" name="슬라이드 번호 개체 틀 6">
             <a:extLst>
               <a:ext uri="{FF2B5EF4-FFF2-40B4-BE49-F238E27FC236}">
-                <a16:creationId xmlns:a16="http://schemas.microsoft.com/office/drawing/2014/main" id="{1330197B-49F4-4331-B4CC-B046B6942BCA}"/>
+                <a16:creationId xmlns="" xmlns:a16="http://schemas.microsoft.com/office/drawing/2014/main" id="{1330197B-49F4-4331-B4CC-B046B6942BCA}"/>
               </a:ext>
             </a:extLst>
           </p:cNvPr>
@@ -1496,7 +1501,7 @@
           <p:cNvPr id="2" name="제목 1">
             <a:extLst>
               <a:ext uri="{FF2B5EF4-FFF2-40B4-BE49-F238E27FC236}">
-                <a16:creationId xmlns:a16="http://schemas.microsoft.com/office/drawing/2014/main" id="{BAA5EA05-E399-4BF1-B6A0-C370ED24506C}"/>
+                <a16:creationId xmlns="" xmlns:a16="http://schemas.microsoft.com/office/drawing/2014/main" id="{BAA5EA05-E399-4BF1-B6A0-C370ED24506C}"/>
               </a:ext>
             </a:extLst>
           </p:cNvPr>
@@ -1529,7 +1534,7 @@
           <p:cNvPr id="3" name="텍스트 개체 틀 2">
             <a:extLst>
               <a:ext uri="{FF2B5EF4-FFF2-40B4-BE49-F238E27FC236}">
-                <a16:creationId xmlns:a16="http://schemas.microsoft.com/office/drawing/2014/main" id="{EF32B97F-0E70-4206-A0F7-BDDD9B53D570}"/>
+                <a16:creationId xmlns="" xmlns:a16="http://schemas.microsoft.com/office/drawing/2014/main" id="{EF32B97F-0E70-4206-A0F7-BDDD9B53D570}"/>
               </a:ext>
             </a:extLst>
           </p:cNvPr>
@@ -1600,7 +1605,7 @@
           <p:cNvPr id="4" name="내용 개체 틀 3">
             <a:extLst>
               <a:ext uri="{FF2B5EF4-FFF2-40B4-BE49-F238E27FC236}">
-                <a16:creationId xmlns:a16="http://schemas.microsoft.com/office/drawing/2014/main" id="{C452530C-A287-42DB-BA1C-E0920CE99E8E}"/>
+                <a16:creationId xmlns="" xmlns:a16="http://schemas.microsoft.com/office/drawing/2014/main" id="{C452530C-A287-42DB-BA1C-E0920CE99E8E}"/>
               </a:ext>
             </a:extLst>
           </p:cNvPr>
@@ -1662,7 +1667,7 @@
           <p:cNvPr id="5" name="텍스트 개체 틀 4">
             <a:extLst>
               <a:ext uri="{FF2B5EF4-FFF2-40B4-BE49-F238E27FC236}">
-                <a16:creationId xmlns:a16="http://schemas.microsoft.com/office/drawing/2014/main" id="{960173B4-2288-4257-9661-42D8AB36187C}"/>
+                <a16:creationId xmlns="" xmlns:a16="http://schemas.microsoft.com/office/drawing/2014/main" id="{960173B4-2288-4257-9661-42D8AB36187C}"/>
               </a:ext>
             </a:extLst>
           </p:cNvPr>
@@ -1733,7 +1738,7 @@
           <p:cNvPr id="6" name="내용 개체 틀 5">
             <a:extLst>
               <a:ext uri="{FF2B5EF4-FFF2-40B4-BE49-F238E27FC236}">
-                <a16:creationId xmlns:a16="http://schemas.microsoft.com/office/drawing/2014/main" id="{9B6B807B-D886-4D69-A526-3F2674009497}"/>
+                <a16:creationId xmlns="" xmlns:a16="http://schemas.microsoft.com/office/drawing/2014/main" id="{9B6B807B-D886-4D69-A526-3F2674009497}"/>
               </a:ext>
             </a:extLst>
           </p:cNvPr>
@@ -1795,7 +1800,7 @@
           <p:cNvPr id="7" name="날짜 개체 틀 6">
             <a:extLst>
               <a:ext uri="{FF2B5EF4-FFF2-40B4-BE49-F238E27FC236}">
-                <a16:creationId xmlns:a16="http://schemas.microsoft.com/office/drawing/2014/main" id="{51AAF532-C9F0-43A5-9252-1A4D15EBB03E}"/>
+                <a16:creationId xmlns="" xmlns:a16="http://schemas.microsoft.com/office/drawing/2014/main" id="{51AAF532-C9F0-43A5-9252-1A4D15EBB03E}"/>
               </a:ext>
             </a:extLst>
           </p:cNvPr>
@@ -1813,7 +1818,7 @@
           <a:p>
             <a:fld id="{96E9B245-2076-40CB-ACDE-D58775C98695}" type="datetimeFigureOut">
               <a:rPr lang="ko-KR" altLang="en-US" smtClean="0"/>
-              <a:t>2020-11-16</a:t>
+              <a:t>2020-11-26</a:t>
             </a:fld>
             <a:endParaRPr lang="ko-KR" altLang="en-US"/>
           </a:p>
@@ -1824,7 +1829,7 @@
           <p:cNvPr id="8" name="바닥글 개체 틀 7">
             <a:extLst>
               <a:ext uri="{FF2B5EF4-FFF2-40B4-BE49-F238E27FC236}">
-                <a16:creationId xmlns:a16="http://schemas.microsoft.com/office/drawing/2014/main" id="{4B14C82C-6B8C-4892-AE66-7A42CF2FC787}"/>
+                <a16:creationId xmlns="" xmlns:a16="http://schemas.microsoft.com/office/drawing/2014/main" id="{4B14C82C-6B8C-4892-AE66-7A42CF2FC787}"/>
               </a:ext>
             </a:extLst>
           </p:cNvPr>
@@ -1849,7 +1854,7 @@
           <p:cNvPr id="9" name="슬라이드 번호 개체 틀 8">
             <a:extLst>
               <a:ext uri="{FF2B5EF4-FFF2-40B4-BE49-F238E27FC236}">
-                <a16:creationId xmlns:a16="http://schemas.microsoft.com/office/drawing/2014/main" id="{5151AE03-877C-44AA-A87A-552AAFDEBEC4}"/>
+                <a16:creationId xmlns="" xmlns:a16="http://schemas.microsoft.com/office/drawing/2014/main" id="{5151AE03-877C-44AA-A87A-552AAFDEBEC4}"/>
               </a:ext>
             </a:extLst>
           </p:cNvPr>
@@ -1908,7 +1913,7 @@
           <p:cNvPr id="2" name="제목 1">
             <a:extLst>
               <a:ext uri="{FF2B5EF4-FFF2-40B4-BE49-F238E27FC236}">
-                <a16:creationId xmlns:a16="http://schemas.microsoft.com/office/drawing/2014/main" id="{6226277B-1F94-46BA-8E20-CAEE023C431A}"/>
+                <a16:creationId xmlns="" xmlns:a16="http://schemas.microsoft.com/office/drawing/2014/main" id="{6226277B-1F94-46BA-8E20-CAEE023C431A}"/>
               </a:ext>
             </a:extLst>
           </p:cNvPr>
@@ -1936,7 +1941,7 @@
           <p:cNvPr id="3" name="날짜 개체 틀 2">
             <a:extLst>
               <a:ext uri="{FF2B5EF4-FFF2-40B4-BE49-F238E27FC236}">
-                <a16:creationId xmlns:a16="http://schemas.microsoft.com/office/drawing/2014/main" id="{7180AF50-5637-45EC-A901-1F6C7D6FAC1F}"/>
+                <a16:creationId xmlns="" xmlns:a16="http://schemas.microsoft.com/office/drawing/2014/main" id="{7180AF50-5637-45EC-A901-1F6C7D6FAC1F}"/>
               </a:ext>
             </a:extLst>
           </p:cNvPr>
@@ -1954,7 +1959,7 @@
           <a:p>
             <a:fld id="{96E9B245-2076-40CB-ACDE-D58775C98695}" type="datetimeFigureOut">
               <a:rPr lang="ko-KR" altLang="en-US" smtClean="0"/>
-              <a:t>2020-11-16</a:t>
+              <a:t>2020-11-26</a:t>
             </a:fld>
             <a:endParaRPr lang="ko-KR" altLang="en-US"/>
           </a:p>
@@ -1965,7 +1970,7 @@
           <p:cNvPr id="4" name="바닥글 개체 틀 3">
             <a:extLst>
               <a:ext uri="{FF2B5EF4-FFF2-40B4-BE49-F238E27FC236}">
-                <a16:creationId xmlns:a16="http://schemas.microsoft.com/office/drawing/2014/main" id="{631A5651-E0AA-4017-881E-4FDC57EBE4FA}"/>
+                <a16:creationId xmlns="" xmlns:a16="http://schemas.microsoft.com/office/drawing/2014/main" id="{631A5651-E0AA-4017-881E-4FDC57EBE4FA}"/>
               </a:ext>
             </a:extLst>
           </p:cNvPr>
@@ -1990,7 +1995,7 @@
           <p:cNvPr id="5" name="슬라이드 번호 개체 틀 4">
             <a:extLst>
               <a:ext uri="{FF2B5EF4-FFF2-40B4-BE49-F238E27FC236}">
-                <a16:creationId xmlns:a16="http://schemas.microsoft.com/office/drawing/2014/main" id="{6CF1A3E2-E860-4818-9DCC-130453AEC1D3}"/>
+                <a16:creationId xmlns="" xmlns:a16="http://schemas.microsoft.com/office/drawing/2014/main" id="{6CF1A3E2-E860-4818-9DCC-130453AEC1D3}"/>
               </a:ext>
             </a:extLst>
           </p:cNvPr>
@@ -2049,7 +2054,7 @@
           <p:cNvPr id="2" name="날짜 개체 틀 1">
             <a:extLst>
               <a:ext uri="{FF2B5EF4-FFF2-40B4-BE49-F238E27FC236}">
-                <a16:creationId xmlns:a16="http://schemas.microsoft.com/office/drawing/2014/main" id="{F76D7947-58EA-4646-991C-ED5EC9F630CC}"/>
+                <a16:creationId xmlns="" xmlns:a16="http://schemas.microsoft.com/office/drawing/2014/main" id="{F76D7947-58EA-4646-991C-ED5EC9F630CC}"/>
               </a:ext>
             </a:extLst>
           </p:cNvPr>
@@ -2067,7 +2072,7 @@
           <a:p>
             <a:fld id="{96E9B245-2076-40CB-ACDE-D58775C98695}" type="datetimeFigureOut">
               <a:rPr lang="ko-KR" altLang="en-US" smtClean="0"/>
-              <a:t>2020-11-16</a:t>
+              <a:t>2020-11-26</a:t>
             </a:fld>
             <a:endParaRPr lang="ko-KR" altLang="en-US"/>
           </a:p>
@@ -2078,7 +2083,7 @@
           <p:cNvPr id="3" name="바닥글 개체 틀 2">
             <a:extLst>
               <a:ext uri="{FF2B5EF4-FFF2-40B4-BE49-F238E27FC236}">
-                <a16:creationId xmlns:a16="http://schemas.microsoft.com/office/drawing/2014/main" id="{0A09DA7D-D7D4-46BC-ABC6-40C6E3055C5F}"/>
+                <a16:creationId xmlns="" xmlns:a16="http://schemas.microsoft.com/office/drawing/2014/main" id="{0A09DA7D-D7D4-46BC-ABC6-40C6E3055C5F}"/>
               </a:ext>
             </a:extLst>
           </p:cNvPr>
@@ -2103,7 +2108,7 @@
           <p:cNvPr id="4" name="슬라이드 번호 개체 틀 3">
             <a:extLst>
               <a:ext uri="{FF2B5EF4-FFF2-40B4-BE49-F238E27FC236}">
-                <a16:creationId xmlns:a16="http://schemas.microsoft.com/office/drawing/2014/main" id="{7811B9EC-FE88-4907-A453-C37E42F61A9E}"/>
+                <a16:creationId xmlns="" xmlns:a16="http://schemas.microsoft.com/office/drawing/2014/main" id="{7811B9EC-FE88-4907-A453-C37E42F61A9E}"/>
               </a:ext>
             </a:extLst>
           </p:cNvPr>
@@ -2162,7 +2167,7 @@
           <p:cNvPr id="2" name="제목 1">
             <a:extLst>
               <a:ext uri="{FF2B5EF4-FFF2-40B4-BE49-F238E27FC236}">
-                <a16:creationId xmlns:a16="http://schemas.microsoft.com/office/drawing/2014/main" id="{29EB5068-C6BB-4013-AED2-8397BC90405C}"/>
+                <a16:creationId xmlns="" xmlns:a16="http://schemas.microsoft.com/office/drawing/2014/main" id="{29EB5068-C6BB-4013-AED2-8397BC90405C}"/>
               </a:ext>
             </a:extLst>
           </p:cNvPr>
@@ -2199,7 +2204,7 @@
           <p:cNvPr id="3" name="내용 개체 틀 2">
             <a:extLst>
               <a:ext uri="{FF2B5EF4-FFF2-40B4-BE49-F238E27FC236}">
-                <a16:creationId xmlns:a16="http://schemas.microsoft.com/office/drawing/2014/main" id="{5F21880D-B3C2-42E2-BD26-9857AC87CE8B}"/>
+                <a16:creationId xmlns="" xmlns:a16="http://schemas.microsoft.com/office/drawing/2014/main" id="{5F21880D-B3C2-42E2-BD26-9857AC87CE8B}"/>
               </a:ext>
             </a:extLst>
           </p:cNvPr>
@@ -2289,7 +2294,7 @@
           <p:cNvPr id="4" name="텍스트 개체 틀 3">
             <a:extLst>
               <a:ext uri="{FF2B5EF4-FFF2-40B4-BE49-F238E27FC236}">
-                <a16:creationId xmlns:a16="http://schemas.microsoft.com/office/drawing/2014/main" id="{6642546A-6FB7-433D-8679-75EE9BBE2790}"/>
+                <a16:creationId xmlns="" xmlns:a16="http://schemas.microsoft.com/office/drawing/2014/main" id="{6642546A-6FB7-433D-8679-75EE9BBE2790}"/>
               </a:ext>
             </a:extLst>
           </p:cNvPr>
@@ -2360,7 +2365,7 @@
           <p:cNvPr id="5" name="날짜 개체 틀 4">
             <a:extLst>
               <a:ext uri="{FF2B5EF4-FFF2-40B4-BE49-F238E27FC236}">
-                <a16:creationId xmlns:a16="http://schemas.microsoft.com/office/drawing/2014/main" id="{4A96EB02-F906-4192-A10E-8B6DEE8E94D9}"/>
+                <a16:creationId xmlns="" xmlns:a16="http://schemas.microsoft.com/office/drawing/2014/main" id="{4A96EB02-F906-4192-A10E-8B6DEE8E94D9}"/>
               </a:ext>
             </a:extLst>
           </p:cNvPr>
@@ -2378,7 +2383,7 @@
           <a:p>
             <a:fld id="{96E9B245-2076-40CB-ACDE-D58775C98695}" type="datetimeFigureOut">
               <a:rPr lang="ko-KR" altLang="en-US" smtClean="0"/>
-              <a:t>2020-11-16</a:t>
+              <a:t>2020-11-26</a:t>
             </a:fld>
             <a:endParaRPr lang="ko-KR" altLang="en-US"/>
           </a:p>
@@ -2389,7 +2394,7 @@
           <p:cNvPr id="6" name="바닥글 개체 틀 5">
             <a:extLst>
               <a:ext uri="{FF2B5EF4-FFF2-40B4-BE49-F238E27FC236}">
-                <a16:creationId xmlns:a16="http://schemas.microsoft.com/office/drawing/2014/main" id="{285F9A33-065E-4CCD-9EB2-F03EDE5DB08D}"/>
+                <a16:creationId xmlns="" xmlns:a16="http://schemas.microsoft.com/office/drawing/2014/main" id="{285F9A33-065E-4CCD-9EB2-F03EDE5DB08D}"/>
               </a:ext>
             </a:extLst>
           </p:cNvPr>
@@ -2414,7 +2419,7 @@
           <p:cNvPr id="7" name="슬라이드 번호 개체 틀 6">
             <a:extLst>
               <a:ext uri="{FF2B5EF4-FFF2-40B4-BE49-F238E27FC236}">
-                <a16:creationId xmlns:a16="http://schemas.microsoft.com/office/drawing/2014/main" id="{44B93FEA-7B02-4218-9244-7C4D2B52A171}"/>
+                <a16:creationId xmlns="" xmlns:a16="http://schemas.microsoft.com/office/drawing/2014/main" id="{44B93FEA-7B02-4218-9244-7C4D2B52A171}"/>
               </a:ext>
             </a:extLst>
           </p:cNvPr>
@@ -2473,7 +2478,7 @@
           <p:cNvPr id="2" name="제목 1">
             <a:extLst>
               <a:ext uri="{FF2B5EF4-FFF2-40B4-BE49-F238E27FC236}">
-                <a16:creationId xmlns:a16="http://schemas.microsoft.com/office/drawing/2014/main" id="{74B63802-3142-4C09-ADB3-AB4AE9A8A3C9}"/>
+                <a16:creationId xmlns="" xmlns:a16="http://schemas.microsoft.com/office/drawing/2014/main" id="{74B63802-3142-4C09-ADB3-AB4AE9A8A3C9}"/>
               </a:ext>
             </a:extLst>
           </p:cNvPr>
@@ -2510,7 +2515,7 @@
           <p:cNvPr id="3" name="그림 개체 틀 2">
             <a:extLst>
               <a:ext uri="{FF2B5EF4-FFF2-40B4-BE49-F238E27FC236}">
-                <a16:creationId xmlns:a16="http://schemas.microsoft.com/office/drawing/2014/main" id="{0C617338-A97A-49F5-AB03-8E10FA57349F}"/>
+                <a16:creationId xmlns="" xmlns:a16="http://schemas.microsoft.com/office/drawing/2014/main" id="{0C617338-A97A-49F5-AB03-8E10FA57349F}"/>
               </a:ext>
             </a:extLst>
           </p:cNvPr>
@@ -2577,7 +2582,7 @@
           <p:cNvPr id="4" name="텍스트 개체 틀 3">
             <a:extLst>
               <a:ext uri="{FF2B5EF4-FFF2-40B4-BE49-F238E27FC236}">
-                <a16:creationId xmlns:a16="http://schemas.microsoft.com/office/drawing/2014/main" id="{F03BA006-43DA-4870-A36F-ED9B4132AF4A}"/>
+                <a16:creationId xmlns="" xmlns:a16="http://schemas.microsoft.com/office/drawing/2014/main" id="{F03BA006-43DA-4870-A36F-ED9B4132AF4A}"/>
               </a:ext>
             </a:extLst>
           </p:cNvPr>
@@ -2648,7 +2653,7 @@
           <p:cNvPr id="5" name="날짜 개체 틀 4">
             <a:extLst>
               <a:ext uri="{FF2B5EF4-FFF2-40B4-BE49-F238E27FC236}">
-                <a16:creationId xmlns:a16="http://schemas.microsoft.com/office/drawing/2014/main" id="{BA67BF82-4BE9-423A-902F-9ED6304ABD41}"/>
+                <a16:creationId xmlns="" xmlns:a16="http://schemas.microsoft.com/office/drawing/2014/main" id="{BA67BF82-4BE9-423A-902F-9ED6304ABD41}"/>
               </a:ext>
             </a:extLst>
           </p:cNvPr>
@@ -2666,7 +2671,7 @@
           <a:p>
             <a:fld id="{96E9B245-2076-40CB-ACDE-D58775C98695}" type="datetimeFigureOut">
               <a:rPr lang="ko-KR" altLang="en-US" smtClean="0"/>
-              <a:t>2020-11-16</a:t>
+              <a:t>2020-11-26</a:t>
             </a:fld>
             <a:endParaRPr lang="ko-KR" altLang="en-US"/>
           </a:p>
@@ -2677,7 +2682,7 @@
           <p:cNvPr id="6" name="바닥글 개체 틀 5">
             <a:extLst>
               <a:ext uri="{FF2B5EF4-FFF2-40B4-BE49-F238E27FC236}">
-                <a16:creationId xmlns:a16="http://schemas.microsoft.com/office/drawing/2014/main" id="{4C6A188A-B89F-41F7-BCA0-8A32F7101A7D}"/>
+                <a16:creationId xmlns="" xmlns:a16="http://schemas.microsoft.com/office/drawing/2014/main" id="{4C6A188A-B89F-41F7-BCA0-8A32F7101A7D}"/>
               </a:ext>
             </a:extLst>
           </p:cNvPr>
@@ -2702,7 +2707,7 @@
           <p:cNvPr id="7" name="슬라이드 번호 개체 틀 6">
             <a:extLst>
               <a:ext uri="{FF2B5EF4-FFF2-40B4-BE49-F238E27FC236}">
-                <a16:creationId xmlns:a16="http://schemas.microsoft.com/office/drawing/2014/main" id="{77993406-8AFC-4EB3-9E27-D17902E41F3A}"/>
+                <a16:creationId xmlns="" xmlns:a16="http://schemas.microsoft.com/office/drawing/2014/main" id="{77993406-8AFC-4EB3-9E27-D17902E41F3A}"/>
               </a:ext>
             </a:extLst>
           </p:cNvPr>
@@ -2766,7 +2771,7 @@
           <p:cNvPr id="2" name="제목 개체 틀 1">
             <a:extLst>
               <a:ext uri="{FF2B5EF4-FFF2-40B4-BE49-F238E27FC236}">
-                <a16:creationId xmlns:a16="http://schemas.microsoft.com/office/drawing/2014/main" id="{3F5FFA22-772B-4390-B9E2-3BA8D85C6838}"/>
+                <a16:creationId xmlns="" xmlns:a16="http://schemas.microsoft.com/office/drawing/2014/main" id="{3F5FFA22-772B-4390-B9E2-3BA8D85C6838}"/>
               </a:ext>
             </a:extLst>
           </p:cNvPr>
@@ -2804,7 +2809,7 @@
           <p:cNvPr id="3" name="텍스트 개체 틀 2">
             <a:extLst>
               <a:ext uri="{FF2B5EF4-FFF2-40B4-BE49-F238E27FC236}">
-                <a16:creationId xmlns:a16="http://schemas.microsoft.com/office/drawing/2014/main" id="{1EC98CBB-2FC3-4068-8310-0BA508931F67}"/>
+                <a16:creationId xmlns="" xmlns:a16="http://schemas.microsoft.com/office/drawing/2014/main" id="{1EC98CBB-2FC3-4068-8310-0BA508931F67}"/>
               </a:ext>
             </a:extLst>
           </p:cNvPr>
@@ -2871,7 +2876,7 @@
           <p:cNvPr id="4" name="날짜 개체 틀 3">
             <a:extLst>
               <a:ext uri="{FF2B5EF4-FFF2-40B4-BE49-F238E27FC236}">
-                <a16:creationId xmlns:a16="http://schemas.microsoft.com/office/drawing/2014/main" id="{1903A797-6E42-4E25-BC83-1FADC0E55EE2}"/>
+                <a16:creationId xmlns="" xmlns:a16="http://schemas.microsoft.com/office/drawing/2014/main" id="{1903A797-6E42-4E25-BC83-1FADC0E55EE2}"/>
               </a:ext>
             </a:extLst>
           </p:cNvPr>
@@ -2907,7 +2912,7 @@
           <a:p>
             <a:fld id="{96E9B245-2076-40CB-ACDE-D58775C98695}" type="datetimeFigureOut">
               <a:rPr lang="ko-KR" altLang="en-US" smtClean="0"/>
-              <a:t>2020-11-16</a:t>
+              <a:t>2020-11-26</a:t>
             </a:fld>
             <a:endParaRPr lang="ko-KR" altLang="en-US"/>
           </a:p>
@@ -2918,7 +2923,7 @@
           <p:cNvPr id="5" name="바닥글 개체 틀 4">
             <a:extLst>
               <a:ext uri="{FF2B5EF4-FFF2-40B4-BE49-F238E27FC236}">
-                <a16:creationId xmlns:a16="http://schemas.microsoft.com/office/drawing/2014/main" id="{6D44985F-B7AC-4350-9FA5-9CE06C2CB19D}"/>
+                <a16:creationId xmlns="" xmlns:a16="http://schemas.microsoft.com/office/drawing/2014/main" id="{6D44985F-B7AC-4350-9FA5-9CE06C2CB19D}"/>
               </a:ext>
             </a:extLst>
           </p:cNvPr>
@@ -2961,7 +2966,7 @@
           <p:cNvPr id="6" name="슬라이드 번호 개체 틀 5">
             <a:extLst>
               <a:ext uri="{FF2B5EF4-FFF2-40B4-BE49-F238E27FC236}">
-                <a16:creationId xmlns:a16="http://schemas.microsoft.com/office/drawing/2014/main" id="{5D94944D-231A-4164-9D7D-2A58346C59B3}"/>
+                <a16:creationId xmlns="" xmlns:a16="http://schemas.microsoft.com/office/drawing/2014/main" id="{5D94944D-231A-4164-9D7D-2A58346C59B3}"/>
               </a:ext>
             </a:extLst>
           </p:cNvPr>
@@ -3337,7 +3342,7 @@
           <p:cNvPr id="2" name="제목 1">
             <a:extLst>
               <a:ext uri="{FF2B5EF4-FFF2-40B4-BE49-F238E27FC236}">
-                <a16:creationId xmlns:a16="http://schemas.microsoft.com/office/drawing/2014/main" id="{9D0D6DAD-010C-4B48-B2C8-A05307AE725D}"/>
+                <a16:creationId xmlns="" xmlns:a16="http://schemas.microsoft.com/office/drawing/2014/main" id="{9D0D6DAD-010C-4B48-B2C8-A05307AE725D}"/>
               </a:ext>
             </a:extLst>
           </p:cNvPr>
@@ -3379,6 +3384,19 @@
               </a:rPr>
               <a:t>동계 융합캠프</a:t>
             </a:r>
+            <a:r>
+              <a:rPr lang="en-US" altLang="ko-KR" dirty="0">
+                <a:solidFill>
+                  <a:schemeClr val="tx1">
+                    <a:lumMod val="85000"/>
+                    <a:lumOff val="15000"/>
+                  </a:schemeClr>
+                </a:solidFill>
+                <a:latin typeface="HY헤드라인M" panose="02030600000101010101" pitchFamily="18" charset="-127"/>
+                <a:ea typeface="HY헤드라인M" panose="02030600000101010101" pitchFamily="18" charset="-127"/>
+              </a:rPr>
+              <a:t/>
+            </a:r>
             <a:br>
               <a:rPr lang="en-US" altLang="ko-KR" dirty="0">
                 <a:solidFill>
@@ -3412,7 +3430,7 @@
           <p:cNvPr id="3" name="부제목 2">
             <a:extLst>
               <a:ext uri="{FF2B5EF4-FFF2-40B4-BE49-F238E27FC236}">
-                <a16:creationId xmlns:a16="http://schemas.microsoft.com/office/drawing/2014/main" id="{440AE397-4916-4CFE-9463-2B4F1186D334}"/>
+                <a16:creationId xmlns="" xmlns:a16="http://schemas.microsoft.com/office/drawing/2014/main" id="{440AE397-4916-4CFE-9463-2B4F1186D334}"/>
               </a:ext>
             </a:extLst>
           </p:cNvPr>
@@ -3429,6 +3447,17 @@
           <a:lstStyle/>
           <a:p>
             <a:pPr algn="l"/>
+            <a:r>
+              <a:rPr lang="en-US" altLang="ko-KR" dirty="0">
+                <a:solidFill>
+                  <a:schemeClr val="tx1">
+                    <a:lumMod val="85000"/>
+                    <a:lumOff val="15000"/>
+                  </a:schemeClr>
+                </a:solidFill>
+              </a:rPr>
+              <a:t/>
+            </a:r>
             <a:br>
               <a:rPr lang="en-US" altLang="ko-KR" dirty="0">
                 <a:solidFill>
@@ -3439,6 +3468,17 @@
                 </a:solidFill>
               </a:rPr>
             </a:br>
+            <a:r>
+              <a:rPr lang="en-US" altLang="ko-KR" dirty="0">
+                <a:solidFill>
+                  <a:schemeClr val="tx1">
+                    <a:lumMod val="85000"/>
+                    <a:lumOff val="15000"/>
+                  </a:schemeClr>
+                </a:solidFill>
+              </a:rPr>
+              <a:t/>
+            </a:r>
             <a:br>
               <a:rPr lang="en-US" altLang="ko-KR" dirty="0">
                 <a:solidFill>
@@ -3449,6 +3489,17 @@
                 </a:solidFill>
               </a:rPr>
             </a:br>
+            <a:r>
+              <a:rPr lang="en-US" altLang="ko-KR" dirty="0">
+                <a:solidFill>
+                  <a:schemeClr val="tx1">
+                    <a:lumMod val="85000"/>
+                    <a:lumOff val="15000"/>
+                  </a:schemeClr>
+                </a:solidFill>
+              </a:rPr>
+              <a:t/>
+            </a:r>
             <a:br>
               <a:rPr lang="en-US" altLang="ko-KR" dirty="0">
                 <a:solidFill>
@@ -3484,7 +3535,7 @@
               <a:t>이름</a:t>
             </a:r>
             <a:r>
-              <a:rPr lang="en-US" altLang="ko-KR" dirty="0">
+              <a:rPr lang="en-US" altLang="ko-KR" dirty="0" smtClean="0">
                 <a:solidFill>
                   <a:schemeClr val="tx1">
                     <a:lumMod val="85000"/>
@@ -3497,7 +3548,20 @@
               <a:t>:</a:t>
             </a:r>
             <a:r>
-              <a:rPr lang="en-US" altLang="ko-KR" dirty="0">
+              <a:rPr lang="ko-KR" altLang="en-US" dirty="0" smtClean="0">
+                <a:solidFill>
+                  <a:schemeClr val="tx1">
+                    <a:lumMod val="85000"/>
+                    <a:lumOff val="15000"/>
+                  </a:schemeClr>
+                </a:solidFill>
+                <a:latin typeface="HY헤드라인M" panose="02030600000101010101" pitchFamily="18" charset="-127"/>
+                <a:ea typeface="HY헤드라인M" panose="02030600000101010101" pitchFamily="18" charset="-127"/>
+              </a:rPr>
+              <a:t>설유찬</a:t>
+            </a:r>
+            <a:r>
+              <a:rPr lang="en-US" altLang="ko-KR" dirty="0" smtClean="0">
                 <a:solidFill>
                   <a:schemeClr val="tx1">
                     <a:lumMod val="85000"/>
@@ -3523,7 +3587,7 @@
           <p:cNvPr id="5" name="Picture 4">
             <a:extLst>
               <a:ext uri="{FF2B5EF4-FFF2-40B4-BE49-F238E27FC236}">
-                <a16:creationId xmlns:a16="http://schemas.microsoft.com/office/drawing/2014/main" id="{4A8BDF83-BAC0-48B1-8675-FC7376E27BCC}"/>
+                <a16:creationId xmlns="" xmlns:a16="http://schemas.microsoft.com/office/drawing/2014/main" id="{4A8BDF83-BAC0-48B1-8675-FC7376E27BCC}"/>
               </a:ext>
             </a:extLst>
           </p:cNvPr>
@@ -3533,7 +3597,7 @@
           <p:nvPr/>
         </p:nvPicPr>
         <p:blipFill>
-          <a:blip r:embed="rId2">
+          <a:blip r:embed="rId2" cstate="print">
             <a:extLst>
               <a:ext uri="{28A0092B-C50C-407E-A947-70E740481C1C}">
                 <a14:useLocalDpi xmlns:a14="http://schemas.microsoft.com/office/drawing/2010/main" val="0"/>
@@ -3570,7 +3634,7 @@
           <p:cNvPr id="7" name="Picture 2">
             <a:extLst>
               <a:ext uri="{FF2B5EF4-FFF2-40B4-BE49-F238E27FC236}">
-                <a16:creationId xmlns:a16="http://schemas.microsoft.com/office/drawing/2014/main" id="{777BC8B2-00BC-4EB0-9D05-54A41B77B1F5}"/>
+                <a16:creationId xmlns="" xmlns:a16="http://schemas.microsoft.com/office/drawing/2014/main" id="{777BC8B2-00BC-4EB0-9D05-54A41B77B1F5}"/>
               </a:ext>
             </a:extLst>
           </p:cNvPr>
@@ -3580,7 +3644,7 @@
           <p:nvPr/>
         </p:nvPicPr>
         <p:blipFill>
-          <a:blip r:embed="rId3">
+          <a:blip r:embed="rId3" cstate="print">
             <a:extLst>
               <a:ext uri="{28A0092B-C50C-407E-A947-70E740481C1C}">
                 <a14:useLocalDpi xmlns:a14="http://schemas.microsoft.com/office/drawing/2010/main" val="0"/>
@@ -3617,7 +3681,7 @@
           <p:cNvPr id="9" name="Picture 4" descr="비공식 자바스크립트 로고 2">
             <a:extLst>
               <a:ext uri="{FF2B5EF4-FFF2-40B4-BE49-F238E27FC236}">
-                <a16:creationId xmlns:a16="http://schemas.microsoft.com/office/drawing/2014/main" id="{80CEA20C-A6CC-4F11-99DF-C823A24600A9}"/>
+                <a16:creationId xmlns="" xmlns:a16="http://schemas.microsoft.com/office/drawing/2014/main" id="{80CEA20C-A6CC-4F11-99DF-C823A24600A9}"/>
               </a:ext>
             </a:extLst>
           </p:cNvPr>
@@ -3627,7 +3691,7 @@
           <p:nvPr/>
         </p:nvPicPr>
         <p:blipFill>
-          <a:blip r:embed="rId4">
+          <a:blip r:embed="rId4" cstate="print">
             <a:extLst>
               <a:ext uri="{28A0092B-C50C-407E-A947-70E740481C1C}">
                 <a14:useLocalDpi xmlns:a14="http://schemas.microsoft.com/office/drawing/2010/main" val="0"/>
@@ -3664,7 +3728,7 @@
           <p:cNvPr id="11" name="그림 10">
             <a:extLst>
               <a:ext uri="{FF2B5EF4-FFF2-40B4-BE49-F238E27FC236}">
-                <a16:creationId xmlns:a16="http://schemas.microsoft.com/office/drawing/2014/main" id="{3C77096E-704A-4A2D-846E-C8F8D2D7D2A4}"/>
+                <a16:creationId xmlns="" xmlns:a16="http://schemas.microsoft.com/office/drawing/2014/main" id="{3C77096E-704A-4A2D-846E-C8F8D2D7D2A4}"/>
               </a:ext>
             </a:extLst>
           </p:cNvPr>
@@ -3732,7 +3796,7 @@
           <p:cNvPr id="8" name="TextBox 7">
             <a:extLst>
               <a:ext uri="{FF2B5EF4-FFF2-40B4-BE49-F238E27FC236}">
-                <a16:creationId xmlns:a16="http://schemas.microsoft.com/office/drawing/2014/main" id="{351F780C-4680-4C7D-868D-1B6A9DA00B13}"/>
+                <a16:creationId xmlns="" xmlns:a16="http://schemas.microsoft.com/office/drawing/2014/main" id="{351F780C-4680-4C7D-868D-1B6A9DA00B13}"/>
               </a:ext>
             </a:extLst>
           </p:cNvPr>
@@ -3819,7 +3883,7 @@
           <p:cNvPr id="10" name="TextBox 9">
             <a:extLst>
               <a:ext uri="{FF2B5EF4-FFF2-40B4-BE49-F238E27FC236}">
-                <a16:creationId xmlns:a16="http://schemas.microsoft.com/office/drawing/2014/main" id="{2C8970D1-2123-4299-92C0-214B44943EE8}"/>
+                <a16:creationId xmlns="" xmlns:a16="http://schemas.microsoft.com/office/drawing/2014/main" id="{2C8970D1-2123-4299-92C0-214B44943EE8}"/>
               </a:ext>
             </a:extLst>
           </p:cNvPr>
@@ -3937,6 +4001,18 @@
                 <a:latin typeface="+mn-ea"/>
               </a:rPr>
             </a:br>
+            <a:r>
+              <a:rPr lang="en-US" altLang="ko-KR" sz="1600" dirty="0">
+                <a:solidFill>
+                  <a:schemeClr val="tx1">
+                    <a:lumMod val="85000"/>
+                    <a:lumOff val="15000"/>
+                  </a:schemeClr>
+                </a:solidFill>
+                <a:latin typeface="+mn-ea"/>
+              </a:rPr>
+              <a:t/>
+            </a:r>
             <a:br>
               <a:rPr lang="en-US" altLang="ko-KR" sz="1600" dirty="0">
                 <a:solidFill>
@@ -3983,6 +4059,18 @@
                 <a:latin typeface="+mn-ea"/>
               </a:rPr>
               <a:t>인식된 물체를 여러 나라의 언어로 알려주기</a:t>
+            </a:r>
+            <a:r>
+              <a:rPr lang="en-US" altLang="ko-KR" sz="1600" dirty="0">
+                <a:solidFill>
+                  <a:schemeClr val="tx1">
+                    <a:lumMod val="85000"/>
+                    <a:lumOff val="15000"/>
+                  </a:schemeClr>
+                </a:solidFill>
+                <a:latin typeface="+mn-ea"/>
+              </a:rPr>
+              <a:t/>
             </a:r>
             <a:br>
               <a:rPr lang="en-US" altLang="ko-KR" sz="1600" dirty="0">
@@ -4418,7 +4506,7 @@
           <p:cNvPr id="11" name="직사각형 10">
             <a:extLst>
               <a:ext uri="{FF2B5EF4-FFF2-40B4-BE49-F238E27FC236}">
-                <a16:creationId xmlns:a16="http://schemas.microsoft.com/office/drawing/2014/main" id="{FEDE409B-423E-4516-ADC9-5A3391D98417}"/>
+                <a16:creationId xmlns="" xmlns:a16="http://schemas.microsoft.com/office/drawing/2014/main" id="{FEDE409B-423E-4516-ADC9-5A3391D98417}"/>
               </a:ext>
             </a:extLst>
           </p:cNvPr>
@@ -4471,20 +4559,14 @@
       </p:sp>
       <p:sp>
         <p:nvSpPr>
-          <p:cNvPr id="2" name="TextBox 1">
-            <a:extLst>
-              <a:ext uri="{FF2B5EF4-FFF2-40B4-BE49-F238E27FC236}">
-                <a16:creationId xmlns:a16="http://schemas.microsoft.com/office/drawing/2014/main" id="{565C7E9F-8E6B-44C1-BE58-13CA3A1E003B}"/>
-              </a:ext>
-            </a:extLst>
-          </p:cNvPr>
+          <p:cNvPr id="2" name="TextBox 1"/>
           <p:cNvSpPr txBox="1"/>
           <p:nvPr/>
         </p:nvSpPr>
         <p:spPr>
           <a:xfrm>
-            <a:off x="376334" y="3522306"/>
-            <a:ext cx="11439332" cy="338554"/>
+            <a:off x="828136" y="4011283"/>
+            <a:ext cx="8160589" cy="369332"/>
           </a:xfrm>
           <a:prstGeom prst="rect">
             <a:avLst/>
@@ -4498,35 +4580,14 @@
           <a:lstStyle/>
           <a:p>
             <a:r>
-              <a:rPr lang="ko-KR" altLang="en-US" sz="1600" dirty="0">
-                <a:solidFill>
-                  <a:schemeClr val="bg2">
-                    <a:lumMod val="90000"/>
-                  </a:schemeClr>
-                </a:solidFill>
-                <a:latin typeface="+mn-ea"/>
-              </a:rPr>
-              <a:t>여기에 아이디어를 자유롭게 작성해보세요</a:t>
-            </a:r>
-            <a:r>
-              <a:rPr lang="en-US" altLang="ko-KR" sz="1600" dirty="0">
-                <a:solidFill>
-                  <a:schemeClr val="bg2">
-                    <a:lumMod val="90000"/>
-                  </a:schemeClr>
-                </a:solidFill>
-                <a:latin typeface="+mn-ea"/>
-              </a:rPr>
+              <a:rPr lang="ko-KR" altLang="en-US" dirty="0" smtClean="0"/>
+              <a:t>필기구를 인식해서 인식한 필기구의 구매 사이트를 연결 시키기</a:t>
+            </a:r>
+            <a:r>
+              <a:rPr lang="en-US" altLang="ko-KR" dirty="0" smtClean="0"/>
               <a:t>.</a:t>
             </a:r>
-            <a:endParaRPr lang="ko-KR" altLang="en-US" sz="1600" dirty="0">
-              <a:solidFill>
-                <a:schemeClr val="bg2">
-                  <a:lumMod val="90000"/>
-                </a:schemeClr>
-              </a:solidFill>
-              <a:latin typeface="+mn-ea"/>
-            </a:endParaRPr>
+            <a:endParaRPr lang="ko-KR" altLang="en-US" dirty="0"/>
           </a:p>
         </p:txBody>
       </p:sp>
@@ -4573,7 +4634,7 @@
           <p:cNvPr id="8" name="TextBox 7">
             <a:extLst>
               <a:ext uri="{FF2B5EF4-FFF2-40B4-BE49-F238E27FC236}">
-                <a16:creationId xmlns:a16="http://schemas.microsoft.com/office/drawing/2014/main" id="{351F780C-4680-4C7D-868D-1B6A9DA00B13}"/>
+                <a16:creationId xmlns="" xmlns:a16="http://schemas.microsoft.com/office/drawing/2014/main" id="{351F780C-4680-4C7D-868D-1B6A9DA00B13}"/>
               </a:ext>
             </a:extLst>
           </p:cNvPr>
@@ -4630,7 +4691,7 @@
           <p:cNvPr id="10" name="TextBox 9">
             <a:extLst>
               <a:ext uri="{FF2B5EF4-FFF2-40B4-BE49-F238E27FC236}">
-                <a16:creationId xmlns:a16="http://schemas.microsoft.com/office/drawing/2014/main" id="{2C8970D1-2123-4299-92C0-214B44943EE8}"/>
+                <a16:creationId xmlns="" xmlns:a16="http://schemas.microsoft.com/office/drawing/2014/main" id="{2C8970D1-2123-4299-92C0-214B44943EE8}"/>
               </a:ext>
             </a:extLst>
           </p:cNvPr>
@@ -4718,7 +4779,7 @@
           <p:cNvPr id="3" name="그림 2">
             <a:extLst>
               <a:ext uri="{FF2B5EF4-FFF2-40B4-BE49-F238E27FC236}">
-                <a16:creationId xmlns:a16="http://schemas.microsoft.com/office/drawing/2014/main" id="{77CEEC37-4B46-441C-806A-B22680781148}"/>
+                <a16:creationId xmlns="" xmlns:a16="http://schemas.microsoft.com/office/drawing/2014/main" id="{77CEEC37-4B46-441C-806A-B22680781148}"/>
               </a:ext>
             </a:extLst>
           </p:cNvPr>
@@ -4748,7 +4809,7 @@
           <p:cNvPr id="4" name="TextBox 3">
             <a:extLst>
               <a:ext uri="{FF2B5EF4-FFF2-40B4-BE49-F238E27FC236}">
-                <a16:creationId xmlns:a16="http://schemas.microsoft.com/office/drawing/2014/main" id="{E4187A56-DEAC-4A3C-A47E-FA4AD926FF1F}"/>
+                <a16:creationId xmlns="" xmlns:a16="http://schemas.microsoft.com/office/drawing/2014/main" id="{E4187A56-DEAC-4A3C-A47E-FA4AD926FF1F}"/>
               </a:ext>
             </a:extLst>
           </p:cNvPr>
@@ -4791,7 +4852,7 @@
           <p:cNvPr id="5" name="직사각형 4">
             <a:extLst>
               <a:ext uri="{FF2B5EF4-FFF2-40B4-BE49-F238E27FC236}">
-                <a16:creationId xmlns:a16="http://schemas.microsoft.com/office/drawing/2014/main" id="{A58BCCF3-E8AF-42B0-A84B-60219650C0A0}"/>
+                <a16:creationId xmlns="" xmlns:a16="http://schemas.microsoft.com/office/drawing/2014/main" id="{A58BCCF3-E8AF-42B0-A84B-60219650C0A0}"/>
               </a:ext>
             </a:extLst>
           </p:cNvPr>
@@ -4847,7 +4908,7 @@
           <p:cNvPr id="7" name="TextBox 6">
             <a:extLst>
               <a:ext uri="{FF2B5EF4-FFF2-40B4-BE49-F238E27FC236}">
-                <a16:creationId xmlns:a16="http://schemas.microsoft.com/office/drawing/2014/main" id="{B42928C6-37CF-4D60-B863-C64279CA55A7}"/>
+                <a16:creationId xmlns="" xmlns:a16="http://schemas.microsoft.com/office/drawing/2014/main" id="{B42928C6-37CF-4D60-B863-C64279CA55A7}"/>
               </a:ext>
             </a:extLst>
           </p:cNvPr>
@@ -4903,6 +4964,36 @@
           </a:p>
         </p:txBody>
       </p:sp>
+      <p:pic>
+        <p:nvPicPr>
+          <p:cNvPr id="2" name="그림 1"/>
+          <p:cNvPicPr>
+            <a:picLocks noChangeAspect="1"/>
+          </p:cNvPicPr>
+          <p:nvPr/>
+        </p:nvPicPr>
+        <p:blipFill>
+          <a:blip r:embed="rId3" cstate="print">
+            <a:extLst>
+              <a:ext uri="{28A0092B-C50C-407E-A947-70E740481C1C}">
+                <a14:useLocalDpi xmlns:a14="http://schemas.microsoft.com/office/drawing/2010/main" val="0"/>
+              </a:ext>
+            </a:extLst>
+          </a:blip>
+          <a:stretch>
+            <a:fillRect/>
+          </a:stretch>
+        </p:blipFill>
+        <p:spPr>
+          <a:xfrm>
+            <a:off x="5859221" y="2424023"/>
+            <a:ext cx="5079073" cy="2366472"/>
+          </a:xfrm>
+          <a:prstGeom prst="rect">
+            <a:avLst/>
+          </a:prstGeom>
+        </p:spPr>
+      </p:pic>
     </p:spTree>
     <p:extLst>
       <p:ext uri="{BB962C8B-B14F-4D97-AF65-F5344CB8AC3E}">
@@ -4946,7 +5037,7 @@
           <p:cNvPr id="8" name="TextBox 7">
             <a:extLst>
               <a:ext uri="{FF2B5EF4-FFF2-40B4-BE49-F238E27FC236}">
-                <a16:creationId xmlns:a16="http://schemas.microsoft.com/office/drawing/2014/main" id="{351F780C-4680-4C7D-868D-1B6A9DA00B13}"/>
+                <a16:creationId xmlns="" xmlns:a16="http://schemas.microsoft.com/office/drawing/2014/main" id="{351F780C-4680-4C7D-868D-1B6A9DA00B13}"/>
               </a:ext>
             </a:extLst>
           </p:cNvPr>
@@ -5003,7 +5094,7 @@
           <p:cNvPr id="10" name="TextBox 9">
             <a:extLst>
               <a:ext uri="{FF2B5EF4-FFF2-40B4-BE49-F238E27FC236}">
-                <a16:creationId xmlns:a16="http://schemas.microsoft.com/office/drawing/2014/main" id="{2C8970D1-2123-4299-92C0-214B44943EE8}"/>
+                <a16:creationId xmlns="" xmlns:a16="http://schemas.microsoft.com/office/drawing/2014/main" id="{2C8970D1-2123-4299-92C0-214B44943EE8}"/>
               </a:ext>
             </a:extLst>
           </p:cNvPr>
@@ -5012,8 +5103,8 @@
         </p:nvSpPr>
         <p:spPr>
           <a:xfrm>
-            <a:off x="376335" y="1077942"/>
-            <a:ext cx="11439332" cy="1815882"/>
+            <a:off x="376335" y="1008931"/>
+            <a:ext cx="11439332" cy="2062103"/>
           </a:xfrm>
           <a:prstGeom prst="rect">
             <a:avLst/>
@@ -5027,16 +5118,28 @@
           <a:lstStyle/>
           <a:p>
             <a:r>
-              <a:rPr lang="en-US" altLang="ko-KR" sz="1600" dirty="0">
-                <a:solidFill>
-                  <a:schemeClr val="tx1">
-                    <a:lumMod val="85000"/>
-                    <a:lumOff val="15000"/>
-                  </a:schemeClr>
-                </a:solidFill>
-                <a:latin typeface="+mn-ea"/>
-              </a:rPr>
-              <a:t>1. </a:t>
+              <a:rPr lang="en-US" altLang="ko-KR" sz="1600" dirty="0" smtClean="0">
+                <a:solidFill>
+                  <a:schemeClr val="tx1">
+                    <a:lumMod val="85000"/>
+                    <a:lumOff val="15000"/>
+                  </a:schemeClr>
+                </a:solidFill>
+                <a:latin typeface="+mn-ea"/>
+              </a:rPr>
+              <a:t>1.</a:t>
+            </a:r>
+            <a:r>
+              <a:rPr lang="ko-KR" altLang="en-US" sz="1600" dirty="0" smtClean="0">
+                <a:solidFill>
+                  <a:schemeClr val="tx1">
+                    <a:lumMod val="85000"/>
+                    <a:lumOff val="15000"/>
+                  </a:schemeClr>
+                </a:solidFill>
+                <a:latin typeface="+mn-ea"/>
+              </a:rPr>
+              <a:t>개발한 </a:t>
             </a:r>
             <a:r>
               <a:rPr lang="ko-KR" altLang="en-US" sz="1600" dirty="0">
@@ -5048,7 +5151,7 @@
                 </a:solidFill>
                 <a:latin typeface="+mn-ea"/>
               </a:rPr>
-              <a:t>개발한 웹 애플리케이션의 이름은</a:t>
+              <a:t>웹 애플리케이션의 이름은</a:t>
             </a:r>
             <a:r>
               <a:rPr lang="en-US" altLang="ko-KR" sz="1600" dirty="0">
@@ -5073,6 +5176,30 @@
                 <a:latin typeface="+mn-ea"/>
               </a:rPr>
             </a:br>
+            <a:r>
+              <a:rPr lang="ko-KR" altLang="en-US" sz="1600" dirty="0" smtClean="0">
+                <a:solidFill>
+                  <a:schemeClr val="tx1">
+                    <a:lumMod val="85000"/>
+                    <a:lumOff val="15000"/>
+                  </a:schemeClr>
+                </a:solidFill>
+                <a:latin typeface="+mn-ea"/>
+              </a:rPr>
+              <a:t>필기구 인식 구매</a:t>
+            </a:r>
+            <a:r>
+              <a:rPr lang="en-US" altLang="ko-KR" sz="1600" dirty="0">
+                <a:solidFill>
+                  <a:schemeClr val="tx1">
+                    <a:lumMod val="85000"/>
+                    <a:lumOff val="15000"/>
+                  </a:schemeClr>
+                </a:solidFill>
+                <a:latin typeface="+mn-ea"/>
+              </a:rPr>
+              <a:t/>
+            </a:r>
             <a:br>
               <a:rPr lang="en-US" altLang="ko-KR" sz="1600" dirty="0">
                 <a:solidFill>
@@ -5084,6 +5211,18 @@
                 <a:latin typeface="+mn-ea"/>
               </a:rPr>
             </a:br>
+            <a:r>
+              <a:rPr lang="en-US" altLang="ko-KR" sz="1600" dirty="0">
+                <a:solidFill>
+                  <a:schemeClr val="tx1">
+                    <a:lumMod val="85000"/>
+                    <a:lumOff val="15000"/>
+                  </a:schemeClr>
+                </a:solidFill>
+                <a:latin typeface="+mn-ea"/>
+              </a:rPr>
+              <a:t/>
+            </a:r>
             <a:br>
               <a:rPr lang="en-US" altLang="ko-KR" sz="1600" dirty="0">
                 <a:solidFill>
@@ -5108,6 +5247,18 @@
               <a:t>2. </a:t>
             </a:r>
             <a:r>
+              <a:rPr lang="ko-KR" altLang="en-US" sz="1600" dirty="0" smtClean="0">
+                <a:solidFill>
+                  <a:schemeClr val="tx1">
+                    <a:lumMod val="85000"/>
+                    <a:lumOff val="15000"/>
+                  </a:schemeClr>
+                </a:solidFill>
+                <a:latin typeface="+mn-ea"/>
+              </a:rPr>
+              <a:t>무엇을 </a:t>
+            </a:r>
+            <a:r>
               <a:rPr lang="ko-KR" altLang="en-US" sz="1600" dirty="0">
                 <a:solidFill>
                   <a:schemeClr val="tx1">
@@ -5117,7 +5268,7 @@
                 </a:solidFill>
                 <a:latin typeface="+mn-ea"/>
               </a:rPr>
-              <a:t>무엇은 하는 이미지 분류 모델인가요</a:t>
+              <a:t>하는 이미지 분류 모델인가요</a:t>
             </a:r>
             <a:r>
               <a:rPr lang="en-US" altLang="ko-KR" sz="1600" dirty="0">
@@ -5142,6 +5293,66 @@
                 <a:latin typeface="+mn-ea"/>
               </a:rPr>
             </a:br>
+            <a:r>
+              <a:rPr lang="ko-KR" altLang="en-US" sz="1600" dirty="0" smtClean="0">
+                <a:solidFill>
+                  <a:schemeClr val="tx1">
+                    <a:lumMod val="85000"/>
+                    <a:lumOff val="15000"/>
+                  </a:schemeClr>
+                </a:solidFill>
+                <a:latin typeface="+mn-ea"/>
+              </a:rPr>
+              <a:t>필기구를 인식해 관련 필기구를 구매 할 수 </a:t>
+            </a:r>
+            <a:r>
+              <a:rPr lang="ko-KR" altLang="en-US" sz="1600" dirty="0">
+                <a:solidFill>
+                  <a:schemeClr val="tx1">
+                    <a:lumMod val="85000"/>
+                    <a:lumOff val="15000"/>
+                  </a:schemeClr>
+                </a:solidFill>
+                <a:latin typeface="+mn-ea"/>
+              </a:rPr>
+              <a:t>있</a:t>
+            </a:r>
+            <a:r>
+              <a:rPr lang="ko-KR" altLang="en-US" sz="1600" dirty="0" smtClean="0">
+                <a:solidFill>
+                  <a:schemeClr val="tx1">
+                    <a:lumMod val="85000"/>
+                    <a:lumOff val="15000"/>
+                  </a:schemeClr>
+                </a:solidFill>
+                <a:latin typeface="+mn-ea"/>
+              </a:rPr>
+              <a:t>도록 한다</a:t>
+            </a:r>
+            <a:r>
+              <a:rPr lang="en-US" altLang="ko-KR" sz="1600" dirty="0" smtClean="0">
+                <a:solidFill>
+                  <a:schemeClr val="tx1">
+                    <a:lumMod val="85000"/>
+                    <a:lumOff val="15000"/>
+                  </a:schemeClr>
+                </a:solidFill>
+                <a:latin typeface="+mn-ea"/>
+              </a:rPr>
+              <a:t>.</a:t>
+            </a:r>
+            <a:r>
+              <a:rPr lang="en-US" altLang="ko-KR" sz="1600" dirty="0">
+                <a:solidFill>
+                  <a:schemeClr val="tx1">
+                    <a:lumMod val="85000"/>
+                    <a:lumOff val="15000"/>
+                  </a:schemeClr>
+                </a:solidFill>
+                <a:latin typeface="+mn-ea"/>
+              </a:rPr>
+              <a:t/>
+            </a:r>
             <a:br>
               <a:rPr lang="en-US" altLang="ko-KR" sz="1600" dirty="0">
                 <a:solidFill>
@@ -5153,6 +5364,18 @@
                 <a:latin typeface="+mn-ea"/>
               </a:rPr>
             </a:br>
+            <a:r>
+              <a:rPr lang="en-US" altLang="ko-KR" sz="1600" dirty="0">
+                <a:solidFill>
+                  <a:schemeClr val="tx1">
+                    <a:lumMod val="85000"/>
+                    <a:lumOff val="15000"/>
+                  </a:schemeClr>
+                </a:solidFill>
+                <a:latin typeface="+mn-ea"/>
+              </a:rPr>
+              <a:t/>
+            </a:r>
             <a:br>
               <a:rPr lang="en-US" altLang="ko-KR" sz="1600" dirty="0">
                 <a:solidFill>
@@ -5189,7 +5412,7 @@
               <a:t>모델을 이용하여 웹 애플리케이션은 무엇은 하나요</a:t>
             </a:r>
             <a:r>
-              <a:rPr lang="en-US" altLang="ko-KR" sz="1600" dirty="0">
+              <a:rPr lang="en-US" altLang="ko-KR" sz="1600" dirty="0" smtClean="0">
                 <a:solidFill>
                   <a:schemeClr val="tx1">
                     <a:lumMod val="85000"/>
@@ -5200,7 +5423,21 @@
               </a:rPr>
               <a:t>?</a:t>
             </a:r>
-            <a:endParaRPr lang="ko-KR" altLang="en-US" sz="1600" dirty="0">
+          </a:p>
+          <a:p>
+            <a:r>
+              <a:rPr lang="ko-KR" altLang="en-US" sz="1600" dirty="0" smtClean="0">
+                <a:solidFill>
+                  <a:schemeClr val="tx1">
+                    <a:lumMod val="85000"/>
+                    <a:lumOff val="15000"/>
+                  </a:schemeClr>
+                </a:solidFill>
+                <a:latin typeface="+mn-ea"/>
+              </a:rPr>
+              <a:t>인식하고 관련 사이트를 여는 역할</a:t>
+            </a:r>
+            <a:endParaRPr lang="en-US" altLang="ko-KR" sz="1600" dirty="0" smtClean="0">
               <a:solidFill>
                 <a:schemeClr val="tx1">
                   <a:lumMod val="85000"/>
@@ -5217,7 +5454,7 @@
           <p:cNvPr id="17" name="TextBox 16">
             <a:extLst>
               <a:ext uri="{FF2B5EF4-FFF2-40B4-BE49-F238E27FC236}">
-                <a16:creationId xmlns:a16="http://schemas.microsoft.com/office/drawing/2014/main" id="{94F157CB-72CA-4A34-ACFB-7E8E970A4694}"/>
+                <a16:creationId xmlns="" xmlns:a16="http://schemas.microsoft.com/office/drawing/2014/main" id="{94F157CB-72CA-4A34-ACFB-7E8E970A4694}"/>
               </a:ext>
             </a:extLst>
           </p:cNvPr>
@@ -5274,7 +5511,7 @@
           <p:cNvPr id="19" name="TextBox 18">
             <a:extLst>
               <a:ext uri="{FF2B5EF4-FFF2-40B4-BE49-F238E27FC236}">
-                <a16:creationId xmlns:a16="http://schemas.microsoft.com/office/drawing/2014/main" id="{FD14AB26-3BEA-479A-BAB4-816E4E65DE8F}"/>
+                <a16:creationId xmlns="" xmlns:a16="http://schemas.microsoft.com/office/drawing/2014/main" id="{FD14AB26-3BEA-479A-BAB4-816E4E65DE8F}"/>
               </a:ext>
             </a:extLst>
           </p:cNvPr>
@@ -5338,7 +5575,7 @@
           <p:cNvPr id="21" name="TextBox 20">
             <a:extLst>
               <a:ext uri="{FF2B5EF4-FFF2-40B4-BE49-F238E27FC236}">
-                <a16:creationId xmlns:a16="http://schemas.microsoft.com/office/drawing/2014/main" id="{F269DC2A-6D73-4A1B-B65D-43407683EC46}"/>
+                <a16:creationId xmlns="" xmlns:a16="http://schemas.microsoft.com/office/drawing/2014/main" id="{F269DC2A-6D73-4A1B-B65D-43407683EC46}"/>
               </a:ext>
             </a:extLst>
           </p:cNvPr>
@@ -5374,16 +5611,26 @@
               <a:t>웹 애플리케이션 주소</a:t>
             </a:r>
             <a:r>
-              <a:rPr lang="en-US" altLang="ko-KR" sz="2000" dirty="0">
-                <a:solidFill>
-                  <a:schemeClr val="tx1">
-                    <a:lumMod val="85000"/>
-                    <a:lumOff val="15000"/>
-                  </a:schemeClr>
-                </a:solidFill>
-                <a:latin typeface="+mn-ea"/>
-              </a:rPr>
-              <a:t>: https://</a:t>
+              <a:rPr lang="en-US" altLang="ko-KR" sz="2000">
+                <a:solidFill>
+                  <a:schemeClr val="tx1">
+                    <a:lumMod val="85000"/>
+                    <a:lumOff val="15000"/>
+                  </a:schemeClr>
+                </a:solidFill>
+                <a:latin typeface="+mn-ea"/>
+              </a:rPr>
+              <a:t>: </a:t>
+            </a:r>
+            <a:r>
+              <a:rPr lang="en-US" altLang="ko-KR" sz="2000">
+                <a:hlinkClick r:id="rId2"/>
+              </a:rPr>
+              <a:t>https://ycseol03.github.io/Temple/</a:t>
+            </a:r>
+            <a:r>
+              <a:rPr lang="en-US" altLang="ko-KR" sz="2000"/>
+              <a:t>.</a:t>
             </a:r>
             <a:endParaRPr lang="ko-KR" altLang="en-US" sz="2000" dirty="0">
               <a:solidFill>

--- a/Report.pptx
+++ b/Report.pptx
@@ -137,7 +137,7 @@
           <p:cNvPr id="2" name="제목 1">
             <a:extLst>
               <a:ext uri="{FF2B5EF4-FFF2-40B4-BE49-F238E27FC236}">
-                <a16:creationId xmlns="" xmlns:a16="http://schemas.microsoft.com/office/drawing/2014/main" id="{DFF2C538-D806-482C-A2DB-B6D71CAEFF10}"/>
+                <a16:creationId xmlns:a16="http://schemas.microsoft.com/office/drawing/2014/main" xmlns="" id="{DFF2C538-D806-482C-A2DB-B6D71CAEFF10}"/>
               </a:ext>
             </a:extLst>
           </p:cNvPr>
@@ -174,7 +174,7 @@
           <p:cNvPr id="3" name="부제목 2">
             <a:extLst>
               <a:ext uri="{FF2B5EF4-FFF2-40B4-BE49-F238E27FC236}">
-                <a16:creationId xmlns="" xmlns:a16="http://schemas.microsoft.com/office/drawing/2014/main" id="{EDDD2879-CD7B-4233-9A6A-172FFF343EAC}"/>
+                <a16:creationId xmlns:a16="http://schemas.microsoft.com/office/drawing/2014/main" xmlns="" id="{EDDD2879-CD7B-4233-9A6A-172FFF343EAC}"/>
               </a:ext>
             </a:extLst>
           </p:cNvPr>
@@ -244,7 +244,7 @@
           <p:cNvPr id="4" name="날짜 개체 틀 3">
             <a:extLst>
               <a:ext uri="{FF2B5EF4-FFF2-40B4-BE49-F238E27FC236}">
-                <a16:creationId xmlns="" xmlns:a16="http://schemas.microsoft.com/office/drawing/2014/main" id="{91828984-E658-4BB8-8874-BD8317ABCF37}"/>
+                <a16:creationId xmlns:a16="http://schemas.microsoft.com/office/drawing/2014/main" xmlns="" id="{91828984-E658-4BB8-8874-BD8317ABCF37}"/>
               </a:ext>
             </a:extLst>
           </p:cNvPr>
@@ -262,7 +262,7 @@
           <a:p>
             <a:fld id="{96E9B245-2076-40CB-ACDE-D58775C98695}" type="datetimeFigureOut">
               <a:rPr lang="ko-KR" altLang="en-US" smtClean="0"/>
-              <a:t>2020-11-26</a:t>
+              <a:t>2020-11-27</a:t>
             </a:fld>
             <a:endParaRPr lang="ko-KR" altLang="en-US"/>
           </a:p>
@@ -273,7 +273,7 @@
           <p:cNvPr id="5" name="바닥글 개체 틀 4">
             <a:extLst>
               <a:ext uri="{FF2B5EF4-FFF2-40B4-BE49-F238E27FC236}">
-                <a16:creationId xmlns="" xmlns:a16="http://schemas.microsoft.com/office/drawing/2014/main" id="{80DBA16E-4FB5-4E05-82C8-EC468F2F1C88}"/>
+                <a16:creationId xmlns:a16="http://schemas.microsoft.com/office/drawing/2014/main" xmlns="" id="{80DBA16E-4FB5-4E05-82C8-EC468F2F1C88}"/>
               </a:ext>
             </a:extLst>
           </p:cNvPr>
@@ -298,7 +298,7 @@
           <p:cNvPr id="6" name="슬라이드 번호 개체 틀 5">
             <a:extLst>
               <a:ext uri="{FF2B5EF4-FFF2-40B4-BE49-F238E27FC236}">
-                <a16:creationId xmlns="" xmlns:a16="http://schemas.microsoft.com/office/drawing/2014/main" id="{7146A1BC-E5B2-40C7-AC5F-51DAF5749BC7}"/>
+                <a16:creationId xmlns:a16="http://schemas.microsoft.com/office/drawing/2014/main" xmlns="" id="{7146A1BC-E5B2-40C7-AC5F-51DAF5749BC7}"/>
               </a:ext>
             </a:extLst>
           </p:cNvPr>
@@ -357,7 +357,7 @@
           <p:cNvPr id="2" name="제목 1">
             <a:extLst>
               <a:ext uri="{FF2B5EF4-FFF2-40B4-BE49-F238E27FC236}">
-                <a16:creationId xmlns="" xmlns:a16="http://schemas.microsoft.com/office/drawing/2014/main" id="{2C200C31-E912-4EAD-B401-D8CFE142BA3D}"/>
+                <a16:creationId xmlns:a16="http://schemas.microsoft.com/office/drawing/2014/main" xmlns="" id="{2C200C31-E912-4EAD-B401-D8CFE142BA3D}"/>
               </a:ext>
             </a:extLst>
           </p:cNvPr>
@@ -385,7 +385,7 @@
           <p:cNvPr id="3" name="세로 텍스트 개체 틀 2">
             <a:extLst>
               <a:ext uri="{FF2B5EF4-FFF2-40B4-BE49-F238E27FC236}">
-                <a16:creationId xmlns="" xmlns:a16="http://schemas.microsoft.com/office/drawing/2014/main" id="{F74BD3C7-1BB9-49E9-B8EF-5B539DF08FA6}"/>
+                <a16:creationId xmlns:a16="http://schemas.microsoft.com/office/drawing/2014/main" xmlns="" id="{F74BD3C7-1BB9-49E9-B8EF-5B539DF08FA6}"/>
               </a:ext>
             </a:extLst>
           </p:cNvPr>
@@ -442,7 +442,7 @@
           <p:cNvPr id="4" name="날짜 개체 틀 3">
             <a:extLst>
               <a:ext uri="{FF2B5EF4-FFF2-40B4-BE49-F238E27FC236}">
-                <a16:creationId xmlns="" xmlns:a16="http://schemas.microsoft.com/office/drawing/2014/main" id="{290F2357-D9AA-433F-8F81-5C993592B425}"/>
+                <a16:creationId xmlns:a16="http://schemas.microsoft.com/office/drawing/2014/main" xmlns="" id="{290F2357-D9AA-433F-8F81-5C993592B425}"/>
               </a:ext>
             </a:extLst>
           </p:cNvPr>
@@ -460,7 +460,7 @@
           <a:p>
             <a:fld id="{96E9B245-2076-40CB-ACDE-D58775C98695}" type="datetimeFigureOut">
               <a:rPr lang="ko-KR" altLang="en-US" smtClean="0"/>
-              <a:t>2020-11-26</a:t>
+              <a:t>2020-11-27</a:t>
             </a:fld>
             <a:endParaRPr lang="ko-KR" altLang="en-US"/>
           </a:p>
@@ -471,7 +471,7 @@
           <p:cNvPr id="5" name="바닥글 개체 틀 4">
             <a:extLst>
               <a:ext uri="{FF2B5EF4-FFF2-40B4-BE49-F238E27FC236}">
-                <a16:creationId xmlns="" xmlns:a16="http://schemas.microsoft.com/office/drawing/2014/main" id="{628E1FB3-38AC-435D-B8A4-CF7D7CE8B797}"/>
+                <a16:creationId xmlns:a16="http://schemas.microsoft.com/office/drawing/2014/main" xmlns="" id="{628E1FB3-38AC-435D-B8A4-CF7D7CE8B797}"/>
               </a:ext>
             </a:extLst>
           </p:cNvPr>
@@ -496,7 +496,7 @@
           <p:cNvPr id="6" name="슬라이드 번호 개체 틀 5">
             <a:extLst>
               <a:ext uri="{FF2B5EF4-FFF2-40B4-BE49-F238E27FC236}">
-                <a16:creationId xmlns="" xmlns:a16="http://schemas.microsoft.com/office/drawing/2014/main" id="{97C244B1-A69D-4B5A-AD69-F18927F28661}"/>
+                <a16:creationId xmlns:a16="http://schemas.microsoft.com/office/drawing/2014/main" xmlns="" id="{97C244B1-A69D-4B5A-AD69-F18927F28661}"/>
               </a:ext>
             </a:extLst>
           </p:cNvPr>
@@ -555,7 +555,7 @@
           <p:cNvPr id="2" name="세로 제목 1">
             <a:extLst>
               <a:ext uri="{FF2B5EF4-FFF2-40B4-BE49-F238E27FC236}">
-                <a16:creationId xmlns="" xmlns:a16="http://schemas.microsoft.com/office/drawing/2014/main" id="{1D8A94B6-2162-4F60-9BBC-C21E6B88CC6A}"/>
+                <a16:creationId xmlns:a16="http://schemas.microsoft.com/office/drawing/2014/main" xmlns="" id="{1D8A94B6-2162-4F60-9BBC-C21E6B88CC6A}"/>
               </a:ext>
             </a:extLst>
           </p:cNvPr>
@@ -588,7 +588,7 @@
           <p:cNvPr id="3" name="세로 텍스트 개체 틀 2">
             <a:extLst>
               <a:ext uri="{FF2B5EF4-FFF2-40B4-BE49-F238E27FC236}">
-                <a16:creationId xmlns="" xmlns:a16="http://schemas.microsoft.com/office/drawing/2014/main" id="{327F81E0-B579-4AFC-8D26-0B0AA2EB793A}"/>
+                <a16:creationId xmlns:a16="http://schemas.microsoft.com/office/drawing/2014/main" xmlns="" id="{327F81E0-B579-4AFC-8D26-0B0AA2EB793A}"/>
               </a:ext>
             </a:extLst>
           </p:cNvPr>
@@ -650,7 +650,7 @@
           <p:cNvPr id="4" name="날짜 개체 틀 3">
             <a:extLst>
               <a:ext uri="{FF2B5EF4-FFF2-40B4-BE49-F238E27FC236}">
-                <a16:creationId xmlns="" xmlns:a16="http://schemas.microsoft.com/office/drawing/2014/main" id="{8012CA42-9A2D-42DA-833F-F6B0F0FEA294}"/>
+                <a16:creationId xmlns:a16="http://schemas.microsoft.com/office/drawing/2014/main" xmlns="" id="{8012CA42-9A2D-42DA-833F-F6B0F0FEA294}"/>
               </a:ext>
             </a:extLst>
           </p:cNvPr>
@@ -668,7 +668,7 @@
           <a:p>
             <a:fld id="{96E9B245-2076-40CB-ACDE-D58775C98695}" type="datetimeFigureOut">
               <a:rPr lang="ko-KR" altLang="en-US" smtClean="0"/>
-              <a:t>2020-11-26</a:t>
+              <a:t>2020-11-27</a:t>
             </a:fld>
             <a:endParaRPr lang="ko-KR" altLang="en-US"/>
           </a:p>
@@ -679,7 +679,7 @@
           <p:cNvPr id="5" name="바닥글 개체 틀 4">
             <a:extLst>
               <a:ext uri="{FF2B5EF4-FFF2-40B4-BE49-F238E27FC236}">
-                <a16:creationId xmlns="" xmlns:a16="http://schemas.microsoft.com/office/drawing/2014/main" id="{87C48F76-9144-47A0-B39B-43D67D773EFA}"/>
+                <a16:creationId xmlns:a16="http://schemas.microsoft.com/office/drawing/2014/main" xmlns="" id="{87C48F76-9144-47A0-B39B-43D67D773EFA}"/>
               </a:ext>
             </a:extLst>
           </p:cNvPr>
@@ -704,7 +704,7 @@
           <p:cNvPr id="6" name="슬라이드 번호 개체 틀 5">
             <a:extLst>
               <a:ext uri="{FF2B5EF4-FFF2-40B4-BE49-F238E27FC236}">
-                <a16:creationId xmlns="" xmlns:a16="http://schemas.microsoft.com/office/drawing/2014/main" id="{BD03FE9D-CDED-45AE-BB6B-8642BA36B85C}"/>
+                <a16:creationId xmlns:a16="http://schemas.microsoft.com/office/drawing/2014/main" xmlns="" id="{BD03FE9D-CDED-45AE-BB6B-8642BA36B85C}"/>
               </a:ext>
             </a:extLst>
           </p:cNvPr>
@@ -763,7 +763,7 @@
           <p:cNvPr id="2" name="제목 1">
             <a:extLst>
               <a:ext uri="{FF2B5EF4-FFF2-40B4-BE49-F238E27FC236}">
-                <a16:creationId xmlns="" xmlns:a16="http://schemas.microsoft.com/office/drawing/2014/main" id="{6FE76F51-D8DE-4B32-A5BD-F2E09A7A0405}"/>
+                <a16:creationId xmlns:a16="http://schemas.microsoft.com/office/drawing/2014/main" xmlns="" id="{6FE76F51-D8DE-4B32-A5BD-F2E09A7A0405}"/>
               </a:ext>
             </a:extLst>
           </p:cNvPr>
@@ -791,7 +791,7 @@
           <p:cNvPr id="3" name="내용 개체 틀 2">
             <a:extLst>
               <a:ext uri="{FF2B5EF4-FFF2-40B4-BE49-F238E27FC236}">
-                <a16:creationId xmlns="" xmlns:a16="http://schemas.microsoft.com/office/drawing/2014/main" id="{C152F7D0-83C5-4FE7-B256-A7EDE9715DA3}"/>
+                <a16:creationId xmlns:a16="http://schemas.microsoft.com/office/drawing/2014/main" xmlns="" id="{C152F7D0-83C5-4FE7-B256-A7EDE9715DA3}"/>
               </a:ext>
             </a:extLst>
           </p:cNvPr>
@@ -848,7 +848,7 @@
           <p:cNvPr id="4" name="날짜 개체 틀 3">
             <a:extLst>
               <a:ext uri="{FF2B5EF4-FFF2-40B4-BE49-F238E27FC236}">
-                <a16:creationId xmlns="" xmlns:a16="http://schemas.microsoft.com/office/drawing/2014/main" id="{74714CD9-A810-44F2-BF9D-81583CA9964C}"/>
+                <a16:creationId xmlns:a16="http://schemas.microsoft.com/office/drawing/2014/main" xmlns="" id="{74714CD9-A810-44F2-BF9D-81583CA9964C}"/>
               </a:ext>
             </a:extLst>
           </p:cNvPr>
@@ -866,7 +866,7 @@
           <a:p>
             <a:fld id="{96E9B245-2076-40CB-ACDE-D58775C98695}" type="datetimeFigureOut">
               <a:rPr lang="ko-KR" altLang="en-US" smtClean="0"/>
-              <a:t>2020-11-26</a:t>
+              <a:t>2020-11-27</a:t>
             </a:fld>
             <a:endParaRPr lang="ko-KR" altLang="en-US"/>
           </a:p>
@@ -877,7 +877,7 @@
           <p:cNvPr id="5" name="바닥글 개체 틀 4">
             <a:extLst>
               <a:ext uri="{FF2B5EF4-FFF2-40B4-BE49-F238E27FC236}">
-                <a16:creationId xmlns="" xmlns:a16="http://schemas.microsoft.com/office/drawing/2014/main" id="{7A73E13C-F272-445A-B2F4-F3536E3CD9DB}"/>
+                <a16:creationId xmlns:a16="http://schemas.microsoft.com/office/drawing/2014/main" xmlns="" id="{7A73E13C-F272-445A-B2F4-F3536E3CD9DB}"/>
               </a:ext>
             </a:extLst>
           </p:cNvPr>
@@ -902,7 +902,7 @@
           <p:cNvPr id="6" name="슬라이드 번호 개체 틀 5">
             <a:extLst>
               <a:ext uri="{FF2B5EF4-FFF2-40B4-BE49-F238E27FC236}">
-                <a16:creationId xmlns="" xmlns:a16="http://schemas.microsoft.com/office/drawing/2014/main" id="{5FD69B14-5B09-44DB-A25F-B5DDF46BA3BF}"/>
+                <a16:creationId xmlns:a16="http://schemas.microsoft.com/office/drawing/2014/main" xmlns="" id="{5FD69B14-5B09-44DB-A25F-B5DDF46BA3BF}"/>
               </a:ext>
             </a:extLst>
           </p:cNvPr>
@@ -961,7 +961,7 @@
           <p:cNvPr id="2" name="제목 1">
             <a:extLst>
               <a:ext uri="{FF2B5EF4-FFF2-40B4-BE49-F238E27FC236}">
-                <a16:creationId xmlns="" xmlns:a16="http://schemas.microsoft.com/office/drawing/2014/main" id="{64DC5775-F271-47E8-A583-6EFEE63E02E4}"/>
+                <a16:creationId xmlns:a16="http://schemas.microsoft.com/office/drawing/2014/main" xmlns="" id="{64DC5775-F271-47E8-A583-6EFEE63E02E4}"/>
               </a:ext>
             </a:extLst>
           </p:cNvPr>
@@ -998,7 +998,7 @@
           <p:cNvPr id="3" name="텍스트 개체 틀 2">
             <a:extLst>
               <a:ext uri="{FF2B5EF4-FFF2-40B4-BE49-F238E27FC236}">
-                <a16:creationId xmlns="" xmlns:a16="http://schemas.microsoft.com/office/drawing/2014/main" id="{FF409596-D62C-4792-A59C-FE192658696F}"/>
+                <a16:creationId xmlns:a16="http://schemas.microsoft.com/office/drawing/2014/main" xmlns="" id="{FF409596-D62C-4792-A59C-FE192658696F}"/>
               </a:ext>
             </a:extLst>
           </p:cNvPr>
@@ -1123,7 +1123,7 @@
           <p:cNvPr id="4" name="날짜 개체 틀 3">
             <a:extLst>
               <a:ext uri="{FF2B5EF4-FFF2-40B4-BE49-F238E27FC236}">
-                <a16:creationId xmlns="" xmlns:a16="http://schemas.microsoft.com/office/drawing/2014/main" id="{FD0950A4-2E88-4EB9-A44E-680FCB66EB70}"/>
+                <a16:creationId xmlns:a16="http://schemas.microsoft.com/office/drawing/2014/main" xmlns="" id="{FD0950A4-2E88-4EB9-A44E-680FCB66EB70}"/>
               </a:ext>
             </a:extLst>
           </p:cNvPr>
@@ -1141,7 +1141,7 @@
           <a:p>
             <a:fld id="{96E9B245-2076-40CB-ACDE-D58775C98695}" type="datetimeFigureOut">
               <a:rPr lang="ko-KR" altLang="en-US" smtClean="0"/>
-              <a:t>2020-11-26</a:t>
+              <a:t>2020-11-27</a:t>
             </a:fld>
             <a:endParaRPr lang="ko-KR" altLang="en-US"/>
           </a:p>
@@ -1152,7 +1152,7 @@
           <p:cNvPr id="5" name="바닥글 개체 틀 4">
             <a:extLst>
               <a:ext uri="{FF2B5EF4-FFF2-40B4-BE49-F238E27FC236}">
-                <a16:creationId xmlns="" xmlns:a16="http://schemas.microsoft.com/office/drawing/2014/main" id="{A0EBD91C-0203-4879-A666-62B1C0F803B8}"/>
+                <a16:creationId xmlns:a16="http://schemas.microsoft.com/office/drawing/2014/main" xmlns="" id="{A0EBD91C-0203-4879-A666-62B1C0F803B8}"/>
               </a:ext>
             </a:extLst>
           </p:cNvPr>
@@ -1177,7 +1177,7 @@
           <p:cNvPr id="6" name="슬라이드 번호 개체 틀 5">
             <a:extLst>
               <a:ext uri="{FF2B5EF4-FFF2-40B4-BE49-F238E27FC236}">
-                <a16:creationId xmlns="" xmlns:a16="http://schemas.microsoft.com/office/drawing/2014/main" id="{9EB3E498-A2A1-483D-8FD4-C4696FC7712C}"/>
+                <a16:creationId xmlns:a16="http://schemas.microsoft.com/office/drawing/2014/main" xmlns="" id="{9EB3E498-A2A1-483D-8FD4-C4696FC7712C}"/>
               </a:ext>
             </a:extLst>
           </p:cNvPr>
@@ -1236,7 +1236,7 @@
           <p:cNvPr id="2" name="제목 1">
             <a:extLst>
               <a:ext uri="{FF2B5EF4-FFF2-40B4-BE49-F238E27FC236}">
-                <a16:creationId xmlns="" xmlns:a16="http://schemas.microsoft.com/office/drawing/2014/main" id="{6B1E1476-701B-4239-8314-F85D481F2F48}"/>
+                <a16:creationId xmlns:a16="http://schemas.microsoft.com/office/drawing/2014/main" xmlns="" id="{6B1E1476-701B-4239-8314-F85D481F2F48}"/>
               </a:ext>
             </a:extLst>
           </p:cNvPr>
@@ -1264,7 +1264,7 @@
           <p:cNvPr id="3" name="내용 개체 틀 2">
             <a:extLst>
               <a:ext uri="{FF2B5EF4-FFF2-40B4-BE49-F238E27FC236}">
-                <a16:creationId xmlns="" xmlns:a16="http://schemas.microsoft.com/office/drawing/2014/main" id="{B074400D-9606-4BC1-82AC-9312A62DCCA3}"/>
+                <a16:creationId xmlns:a16="http://schemas.microsoft.com/office/drawing/2014/main" xmlns="" id="{B074400D-9606-4BC1-82AC-9312A62DCCA3}"/>
               </a:ext>
             </a:extLst>
           </p:cNvPr>
@@ -1326,7 +1326,7 @@
           <p:cNvPr id="4" name="내용 개체 틀 3">
             <a:extLst>
               <a:ext uri="{FF2B5EF4-FFF2-40B4-BE49-F238E27FC236}">
-                <a16:creationId xmlns="" xmlns:a16="http://schemas.microsoft.com/office/drawing/2014/main" id="{D2280C09-E2BD-49DE-959A-3FA14A4DB39B}"/>
+                <a16:creationId xmlns:a16="http://schemas.microsoft.com/office/drawing/2014/main" xmlns="" id="{D2280C09-E2BD-49DE-959A-3FA14A4DB39B}"/>
               </a:ext>
             </a:extLst>
           </p:cNvPr>
@@ -1388,7 +1388,7 @@
           <p:cNvPr id="5" name="날짜 개체 틀 4">
             <a:extLst>
               <a:ext uri="{FF2B5EF4-FFF2-40B4-BE49-F238E27FC236}">
-                <a16:creationId xmlns="" xmlns:a16="http://schemas.microsoft.com/office/drawing/2014/main" id="{E2A0322F-D0C5-4AD5-855E-65F1C46FAF66}"/>
+                <a16:creationId xmlns:a16="http://schemas.microsoft.com/office/drawing/2014/main" xmlns="" id="{E2A0322F-D0C5-4AD5-855E-65F1C46FAF66}"/>
               </a:ext>
             </a:extLst>
           </p:cNvPr>
@@ -1406,7 +1406,7 @@
           <a:p>
             <a:fld id="{96E9B245-2076-40CB-ACDE-D58775C98695}" type="datetimeFigureOut">
               <a:rPr lang="ko-KR" altLang="en-US" smtClean="0"/>
-              <a:t>2020-11-26</a:t>
+              <a:t>2020-11-27</a:t>
             </a:fld>
             <a:endParaRPr lang="ko-KR" altLang="en-US"/>
           </a:p>
@@ -1417,7 +1417,7 @@
           <p:cNvPr id="6" name="바닥글 개체 틀 5">
             <a:extLst>
               <a:ext uri="{FF2B5EF4-FFF2-40B4-BE49-F238E27FC236}">
-                <a16:creationId xmlns="" xmlns:a16="http://schemas.microsoft.com/office/drawing/2014/main" id="{4333CE0F-758F-4350-B0C3-2752F545DE39}"/>
+                <a16:creationId xmlns:a16="http://schemas.microsoft.com/office/drawing/2014/main" xmlns="" id="{4333CE0F-758F-4350-B0C3-2752F545DE39}"/>
               </a:ext>
             </a:extLst>
           </p:cNvPr>
@@ -1442,7 +1442,7 @@
           <p:cNvPr id="7" name="슬라이드 번호 개체 틀 6">
             <a:extLst>
               <a:ext uri="{FF2B5EF4-FFF2-40B4-BE49-F238E27FC236}">
-                <a16:creationId xmlns="" xmlns:a16="http://schemas.microsoft.com/office/drawing/2014/main" id="{1330197B-49F4-4331-B4CC-B046B6942BCA}"/>
+                <a16:creationId xmlns:a16="http://schemas.microsoft.com/office/drawing/2014/main" xmlns="" id="{1330197B-49F4-4331-B4CC-B046B6942BCA}"/>
               </a:ext>
             </a:extLst>
           </p:cNvPr>
@@ -1501,7 +1501,7 @@
           <p:cNvPr id="2" name="제목 1">
             <a:extLst>
               <a:ext uri="{FF2B5EF4-FFF2-40B4-BE49-F238E27FC236}">
-                <a16:creationId xmlns="" xmlns:a16="http://schemas.microsoft.com/office/drawing/2014/main" id="{BAA5EA05-E399-4BF1-B6A0-C370ED24506C}"/>
+                <a16:creationId xmlns:a16="http://schemas.microsoft.com/office/drawing/2014/main" xmlns="" id="{BAA5EA05-E399-4BF1-B6A0-C370ED24506C}"/>
               </a:ext>
             </a:extLst>
           </p:cNvPr>
@@ -1534,7 +1534,7 @@
           <p:cNvPr id="3" name="텍스트 개체 틀 2">
             <a:extLst>
               <a:ext uri="{FF2B5EF4-FFF2-40B4-BE49-F238E27FC236}">
-                <a16:creationId xmlns="" xmlns:a16="http://schemas.microsoft.com/office/drawing/2014/main" id="{EF32B97F-0E70-4206-A0F7-BDDD9B53D570}"/>
+                <a16:creationId xmlns:a16="http://schemas.microsoft.com/office/drawing/2014/main" xmlns="" id="{EF32B97F-0E70-4206-A0F7-BDDD9B53D570}"/>
               </a:ext>
             </a:extLst>
           </p:cNvPr>
@@ -1605,7 +1605,7 @@
           <p:cNvPr id="4" name="내용 개체 틀 3">
             <a:extLst>
               <a:ext uri="{FF2B5EF4-FFF2-40B4-BE49-F238E27FC236}">
-                <a16:creationId xmlns="" xmlns:a16="http://schemas.microsoft.com/office/drawing/2014/main" id="{C452530C-A287-42DB-BA1C-E0920CE99E8E}"/>
+                <a16:creationId xmlns:a16="http://schemas.microsoft.com/office/drawing/2014/main" xmlns="" id="{C452530C-A287-42DB-BA1C-E0920CE99E8E}"/>
               </a:ext>
             </a:extLst>
           </p:cNvPr>
@@ -1667,7 +1667,7 @@
           <p:cNvPr id="5" name="텍스트 개체 틀 4">
             <a:extLst>
               <a:ext uri="{FF2B5EF4-FFF2-40B4-BE49-F238E27FC236}">
-                <a16:creationId xmlns="" xmlns:a16="http://schemas.microsoft.com/office/drawing/2014/main" id="{960173B4-2288-4257-9661-42D8AB36187C}"/>
+                <a16:creationId xmlns:a16="http://schemas.microsoft.com/office/drawing/2014/main" xmlns="" id="{960173B4-2288-4257-9661-42D8AB36187C}"/>
               </a:ext>
             </a:extLst>
           </p:cNvPr>
@@ -1738,7 +1738,7 @@
           <p:cNvPr id="6" name="내용 개체 틀 5">
             <a:extLst>
               <a:ext uri="{FF2B5EF4-FFF2-40B4-BE49-F238E27FC236}">
-                <a16:creationId xmlns="" xmlns:a16="http://schemas.microsoft.com/office/drawing/2014/main" id="{9B6B807B-D886-4D69-A526-3F2674009497}"/>
+                <a16:creationId xmlns:a16="http://schemas.microsoft.com/office/drawing/2014/main" xmlns="" id="{9B6B807B-D886-4D69-A526-3F2674009497}"/>
               </a:ext>
             </a:extLst>
           </p:cNvPr>
@@ -1800,7 +1800,7 @@
           <p:cNvPr id="7" name="날짜 개체 틀 6">
             <a:extLst>
               <a:ext uri="{FF2B5EF4-FFF2-40B4-BE49-F238E27FC236}">
-                <a16:creationId xmlns="" xmlns:a16="http://schemas.microsoft.com/office/drawing/2014/main" id="{51AAF532-C9F0-43A5-9252-1A4D15EBB03E}"/>
+                <a16:creationId xmlns:a16="http://schemas.microsoft.com/office/drawing/2014/main" xmlns="" id="{51AAF532-C9F0-43A5-9252-1A4D15EBB03E}"/>
               </a:ext>
             </a:extLst>
           </p:cNvPr>
@@ -1818,7 +1818,7 @@
           <a:p>
             <a:fld id="{96E9B245-2076-40CB-ACDE-D58775C98695}" type="datetimeFigureOut">
               <a:rPr lang="ko-KR" altLang="en-US" smtClean="0"/>
-              <a:t>2020-11-26</a:t>
+              <a:t>2020-11-27</a:t>
             </a:fld>
             <a:endParaRPr lang="ko-KR" altLang="en-US"/>
           </a:p>
@@ -1829,7 +1829,7 @@
           <p:cNvPr id="8" name="바닥글 개체 틀 7">
             <a:extLst>
               <a:ext uri="{FF2B5EF4-FFF2-40B4-BE49-F238E27FC236}">
-                <a16:creationId xmlns="" xmlns:a16="http://schemas.microsoft.com/office/drawing/2014/main" id="{4B14C82C-6B8C-4892-AE66-7A42CF2FC787}"/>
+                <a16:creationId xmlns:a16="http://schemas.microsoft.com/office/drawing/2014/main" xmlns="" id="{4B14C82C-6B8C-4892-AE66-7A42CF2FC787}"/>
               </a:ext>
             </a:extLst>
           </p:cNvPr>
@@ -1854,7 +1854,7 @@
           <p:cNvPr id="9" name="슬라이드 번호 개체 틀 8">
             <a:extLst>
               <a:ext uri="{FF2B5EF4-FFF2-40B4-BE49-F238E27FC236}">
-                <a16:creationId xmlns="" xmlns:a16="http://schemas.microsoft.com/office/drawing/2014/main" id="{5151AE03-877C-44AA-A87A-552AAFDEBEC4}"/>
+                <a16:creationId xmlns:a16="http://schemas.microsoft.com/office/drawing/2014/main" xmlns="" id="{5151AE03-877C-44AA-A87A-552AAFDEBEC4}"/>
               </a:ext>
             </a:extLst>
           </p:cNvPr>
@@ -1913,7 +1913,7 @@
           <p:cNvPr id="2" name="제목 1">
             <a:extLst>
               <a:ext uri="{FF2B5EF4-FFF2-40B4-BE49-F238E27FC236}">
-                <a16:creationId xmlns="" xmlns:a16="http://schemas.microsoft.com/office/drawing/2014/main" id="{6226277B-1F94-46BA-8E20-CAEE023C431A}"/>
+                <a16:creationId xmlns:a16="http://schemas.microsoft.com/office/drawing/2014/main" xmlns="" id="{6226277B-1F94-46BA-8E20-CAEE023C431A}"/>
               </a:ext>
             </a:extLst>
           </p:cNvPr>
@@ -1941,7 +1941,7 @@
           <p:cNvPr id="3" name="날짜 개체 틀 2">
             <a:extLst>
               <a:ext uri="{FF2B5EF4-FFF2-40B4-BE49-F238E27FC236}">
-                <a16:creationId xmlns="" xmlns:a16="http://schemas.microsoft.com/office/drawing/2014/main" id="{7180AF50-5637-45EC-A901-1F6C7D6FAC1F}"/>
+                <a16:creationId xmlns:a16="http://schemas.microsoft.com/office/drawing/2014/main" xmlns="" id="{7180AF50-5637-45EC-A901-1F6C7D6FAC1F}"/>
               </a:ext>
             </a:extLst>
           </p:cNvPr>
@@ -1959,7 +1959,7 @@
           <a:p>
             <a:fld id="{96E9B245-2076-40CB-ACDE-D58775C98695}" type="datetimeFigureOut">
               <a:rPr lang="ko-KR" altLang="en-US" smtClean="0"/>
-              <a:t>2020-11-26</a:t>
+              <a:t>2020-11-27</a:t>
             </a:fld>
             <a:endParaRPr lang="ko-KR" altLang="en-US"/>
           </a:p>
@@ -1970,7 +1970,7 @@
           <p:cNvPr id="4" name="바닥글 개체 틀 3">
             <a:extLst>
               <a:ext uri="{FF2B5EF4-FFF2-40B4-BE49-F238E27FC236}">
-                <a16:creationId xmlns="" xmlns:a16="http://schemas.microsoft.com/office/drawing/2014/main" id="{631A5651-E0AA-4017-881E-4FDC57EBE4FA}"/>
+                <a16:creationId xmlns:a16="http://schemas.microsoft.com/office/drawing/2014/main" xmlns="" id="{631A5651-E0AA-4017-881E-4FDC57EBE4FA}"/>
               </a:ext>
             </a:extLst>
           </p:cNvPr>
@@ -1995,7 +1995,7 @@
           <p:cNvPr id="5" name="슬라이드 번호 개체 틀 4">
             <a:extLst>
               <a:ext uri="{FF2B5EF4-FFF2-40B4-BE49-F238E27FC236}">
-                <a16:creationId xmlns="" xmlns:a16="http://schemas.microsoft.com/office/drawing/2014/main" id="{6CF1A3E2-E860-4818-9DCC-130453AEC1D3}"/>
+                <a16:creationId xmlns:a16="http://schemas.microsoft.com/office/drawing/2014/main" xmlns="" id="{6CF1A3E2-E860-4818-9DCC-130453AEC1D3}"/>
               </a:ext>
             </a:extLst>
           </p:cNvPr>
@@ -2054,7 +2054,7 @@
           <p:cNvPr id="2" name="날짜 개체 틀 1">
             <a:extLst>
               <a:ext uri="{FF2B5EF4-FFF2-40B4-BE49-F238E27FC236}">
-                <a16:creationId xmlns="" xmlns:a16="http://schemas.microsoft.com/office/drawing/2014/main" id="{F76D7947-58EA-4646-991C-ED5EC9F630CC}"/>
+                <a16:creationId xmlns:a16="http://schemas.microsoft.com/office/drawing/2014/main" xmlns="" id="{F76D7947-58EA-4646-991C-ED5EC9F630CC}"/>
               </a:ext>
             </a:extLst>
           </p:cNvPr>
@@ -2072,7 +2072,7 @@
           <a:p>
             <a:fld id="{96E9B245-2076-40CB-ACDE-D58775C98695}" type="datetimeFigureOut">
               <a:rPr lang="ko-KR" altLang="en-US" smtClean="0"/>
-              <a:t>2020-11-26</a:t>
+              <a:t>2020-11-27</a:t>
             </a:fld>
             <a:endParaRPr lang="ko-KR" altLang="en-US"/>
           </a:p>
@@ -2083,7 +2083,7 @@
           <p:cNvPr id="3" name="바닥글 개체 틀 2">
             <a:extLst>
               <a:ext uri="{FF2B5EF4-FFF2-40B4-BE49-F238E27FC236}">
-                <a16:creationId xmlns="" xmlns:a16="http://schemas.microsoft.com/office/drawing/2014/main" id="{0A09DA7D-D7D4-46BC-ABC6-40C6E3055C5F}"/>
+                <a16:creationId xmlns:a16="http://schemas.microsoft.com/office/drawing/2014/main" xmlns="" id="{0A09DA7D-D7D4-46BC-ABC6-40C6E3055C5F}"/>
               </a:ext>
             </a:extLst>
           </p:cNvPr>
@@ -2108,7 +2108,7 @@
           <p:cNvPr id="4" name="슬라이드 번호 개체 틀 3">
             <a:extLst>
               <a:ext uri="{FF2B5EF4-FFF2-40B4-BE49-F238E27FC236}">
-                <a16:creationId xmlns="" xmlns:a16="http://schemas.microsoft.com/office/drawing/2014/main" id="{7811B9EC-FE88-4907-A453-C37E42F61A9E}"/>
+                <a16:creationId xmlns:a16="http://schemas.microsoft.com/office/drawing/2014/main" xmlns="" id="{7811B9EC-FE88-4907-A453-C37E42F61A9E}"/>
               </a:ext>
             </a:extLst>
           </p:cNvPr>
@@ -2167,7 +2167,7 @@
           <p:cNvPr id="2" name="제목 1">
             <a:extLst>
               <a:ext uri="{FF2B5EF4-FFF2-40B4-BE49-F238E27FC236}">
-                <a16:creationId xmlns="" xmlns:a16="http://schemas.microsoft.com/office/drawing/2014/main" id="{29EB5068-C6BB-4013-AED2-8397BC90405C}"/>
+                <a16:creationId xmlns:a16="http://schemas.microsoft.com/office/drawing/2014/main" xmlns="" id="{29EB5068-C6BB-4013-AED2-8397BC90405C}"/>
               </a:ext>
             </a:extLst>
           </p:cNvPr>
@@ -2204,7 +2204,7 @@
           <p:cNvPr id="3" name="내용 개체 틀 2">
             <a:extLst>
               <a:ext uri="{FF2B5EF4-FFF2-40B4-BE49-F238E27FC236}">
-                <a16:creationId xmlns="" xmlns:a16="http://schemas.microsoft.com/office/drawing/2014/main" id="{5F21880D-B3C2-42E2-BD26-9857AC87CE8B}"/>
+                <a16:creationId xmlns:a16="http://schemas.microsoft.com/office/drawing/2014/main" xmlns="" id="{5F21880D-B3C2-42E2-BD26-9857AC87CE8B}"/>
               </a:ext>
             </a:extLst>
           </p:cNvPr>
@@ -2294,7 +2294,7 @@
           <p:cNvPr id="4" name="텍스트 개체 틀 3">
             <a:extLst>
               <a:ext uri="{FF2B5EF4-FFF2-40B4-BE49-F238E27FC236}">
-                <a16:creationId xmlns="" xmlns:a16="http://schemas.microsoft.com/office/drawing/2014/main" id="{6642546A-6FB7-433D-8679-75EE9BBE2790}"/>
+                <a16:creationId xmlns:a16="http://schemas.microsoft.com/office/drawing/2014/main" xmlns="" id="{6642546A-6FB7-433D-8679-75EE9BBE2790}"/>
               </a:ext>
             </a:extLst>
           </p:cNvPr>
@@ -2365,7 +2365,7 @@
           <p:cNvPr id="5" name="날짜 개체 틀 4">
             <a:extLst>
               <a:ext uri="{FF2B5EF4-FFF2-40B4-BE49-F238E27FC236}">
-                <a16:creationId xmlns="" xmlns:a16="http://schemas.microsoft.com/office/drawing/2014/main" id="{4A96EB02-F906-4192-A10E-8B6DEE8E94D9}"/>
+                <a16:creationId xmlns:a16="http://schemas.microsoft.com/office/drawing/2014/main" xmlns="" id="{4A96EB02-F906-4192-A10E-8B6DEE8E94D9}"/>
               </a:ext>
             </a:extLst>
           </p:cNvPr>
@@ -2383,7 +2383,7 @@
           <a:p>
             <a:fld id="{96E9B245-2076-40CB-ACDE-D58775C98695}" type="datetimeFigureOut">
               <a:rPr lang="ko-KR" altLang="en-US" smtClean="0"/>
-              <a:t>2020-11-26</a:t>
+              <a:t>2020-11-27</a:t>
             </a:fld>
             <a:endParaRPr lang="ko-KR" altLang="en-US"/>
           </a:p>
@@ -2394,7 +2394,7 @@
           <p:cNvPr id="6" name="바닥글 개체 틀 5">
             <a:extLst>
               <a:ext uri="{FF2B5EF4-FFF2-40B4-BE49-F238E27FC236}">
-                <a16:creationId xmlns="" xmlns:a16="http://schemas.microsoft.com/office/drawing/2014/main" id="{285F9A33-065E-4CCD-9EB2-F03EDE5DB08D}"/>
+                <a16:creationId xmlns:a16="http://schemas.microsoft.com/office/drawing/2014/main" xmlns="" id="{285F9A33-065E-4CCD-9EB2-F03EDE5DB08D}"/>
               </a:ext>
             </a:extLst>
           </p:cNvPr>
@@ -2419,7 +2419,7 @@
           <p:cNvPr id="7" name="슬라이드 번호 개체 틀 6">
             <a:extLst>
               <a:ext uri="{FF2B5EF4-FFF2-40B4-BE49-F238E27FC236}">
-                <a16:creationId xmlns="" xmlns:a16="http://schemas.microsoft.com/office/drawing/2014/main" id="{44B93FEA-7B02-4218-9244-7C4D2B52A171}"/>
+                <a16:creationId xmlns:a16="http://schemas.microsoft.com/office/drawing/2014/main" xmlns="" id="{44B93FEA-7B02-4218-9244-7C4D2B52A171}"/>
               </a:ext>
             </a:extLst>
           </p:cNvPr>
@@ -2478,7 +2478,7 @@
           <p:cNvPr id="2" name="제목 1">
             <a:extLst>
               <a:ext uri="{FF2B5EF4-FFF2-40B4-BE49-F238E27FC236}">
-                <a16:creationId xmlns="" xmlns:a16="http://schemas.microsoft.com/office/drawing/2014/main" id="{74B63802-3142-4C09-ADB3-AB4AE9A8A3C9}"/>
+                <a16:creationId xmlns:a16="http://schemas.microsoft.com/office/drawing/2014/main" xmlns="" id="{74B63802-3142-4C09-ADB3-AB4AE9A8A3C9}"/>
               </a:ext>
             </a:extLst>
           </p:cNvPr>
@@ -2515,7 +2515,7 @@
           <p:cNvPr id="3" name="그림 개체 틀 2">
             <a:extLst>
               <a:ext uri="{FF2B5EF4-FFF2-40B4-BE49-F238E27FC236}">
-                <a16:creationId xmlns="" xmlns:a16="http://schemas.microsoft.com/office/drawing/2014/main" id="{0C617338-A97A-49F5-AB03-8E10FA57349F}"/>
+                <a16:creationId xmlns:a16="http://schemas.microsoft.com/office/drawing/2014/main" xmlns="" id="{0C617338-A97A-49F5-AB03-8E10FA57349F}"/>
               </a:ext>
             </a:extLst>
           </p:cNvPr>
@@ -2582,7 +2582,7 @@
           <p:cNvPr id="4" name="텍스트 개체 틀 3">
             <a:extLst>
               <a:ext uri="{FF2B5EF4-FFF2-40B4-BE49-F238E27FC236}">
-                <a16:creationId xmlns="" xmlns:a16="http://schemas.microsoft.com/office/drawing/2014/main" id="{F03BA006-43DA-4870-A36F-ED9B4132AF4A}"/>
+                <a16:creationId xmlns:a16="http://schemas.microsoft.com/office/drawing/2014/main" xmlns="" id="{F03BA006-43DA-4870-A36F-ED9B4132AF4A}"/>
               </a:ext>
             </a:extLst>
           </p:cNvPr>
@@ -2653,7 +2653,7 @@
           <p:cNvPr id="5" name="날짜 개체 틀 4">
             <a:extLst>
               <a:ext uri="{FF2B5EF4-FFF2-40B4-BE49-F238E27FC236}">
-                <a16:creationId xmlns="" xmlns:a16="http://schemas.microsoft.com/office/drawing/2014/main" id="{BA67BF82-4BE9-423A-902F-9ED6304ABD41}"/>
+                <a16:creationId xmlns:a16="http://schemas.microsoft.com/office/drawing/2014/main" xmlns="" id="{BA67BF82-4BE9-423A-902F-9ED6304ABD41}"/>
               </a:ext>
             </a:extLst>
           </p:cNvPr>
@@ -2671,7 +2671,7 @@
           <a:p>
             <a:fld id="{96E9B245-2076-40CB-ACDE-D58775C98695}" type="datetimeFigureOut">
               <a:rPr lang="ko-KR" altLang="en-US" smtClean="0"/>
-              <a:t>2020-11-26</a:t>
+              <a:t>2020-11-27</a:t>
             </a:fld>
             <a:endParaRPr lang="ko-KR" altLang="en-US"/>
           </a:p>
@@ -2682,7 +2682,7 @@
           <p:cNvPr id="6" name="바닥글 개체 틀 5">
             <a:extLst>
               <a:ext uri="{FF2B5EF4-FFF2-40B4-BE49-F238E27FC236}">
-                <a16:creationId xmlns="" xmlns:a16="http://schemas.microsoft.com/office/drawing/2014/main" id="{4C6A188A-B89F-41F7-BCA0-8A32F7101A7D}"/>
+                <a16:creationId xmlns:a16="http://schemas.microsoft.com/office/drawing/2014/main" xmlns="" id="{4C6A188A-B89F-41F7-BCA0-8A32F7101A7D}"/>
               </a:ext>
             </a:extLst>
           </p:cNvPr>
@@ -2707,7 +2707,7 @@
           <p:cNvPr id="7" name="슬라이드 번호 개체 틀 6">
             <a:extLst>
               <a:ext uri="{FF2B5EF4-FFF2-40B4-BE49-F238E27FC236}">
-                <a16:creationId xmlns="" xmlns:a16="http://schemas.microsoft.com/office/drawing/2014/main" id="{77993406-8AFC-4EB3-9E27-D17902E41F3A}"/>
+                <a16:creationId xmlns:a16="http://schemas.microsoft.com/office/drawing/2014/main" xmlns="" id="{77993406-8AFC-4EB3-9E27-D17902E41F3A}"/>
               </a:ext>
             </a:extLst>
           </p:cNvPr>
@@ -2771,7 +2771,7 @@
           <p:cNvPr id="2" name="제목 개체 틀 1">
             <a:extLst>
               <a:ext uri="{FF2B5EF4-FFF2-40B4-BE49-F238E27FC236}">
-                <a16:creationId xmlns="" xmlns:a16="http://schemas.microsoft.com/office/drawing/2014/main" id="{3F5FFA22-772B-4390-B9E2-3BA8D85C6838}"/>
+                <a16:creationId xmlns:a16="http://schemas.microsoft.com/office/drawing/2014/main" xmlns="" id="{3F5FFA22-772B-4390-B9E2-3BA8D85C6838}"/>
               </a:ext>
             </a:extLst>
           </p:cNvPr>
@@ -2809,7 +2809,7 @@
           <p:cNvPr id="3" name="텍스트 개체 틀 2">
             <a:extLst>
               <a:ext uri="{FF2B5EF4-FFF2-40B4-BE49-F238E27FC236}">
-                <a16:creationId xmlns="" xmlns:a16="http://schemas.microsoft.com/office/drawing/2014/main" id="{1EC98CBB-2FC3-4068-8310-0BA508931F67}"/>
+                <a16:creationId xmlns:a16="http://schemas.microsoft.com/office/drawing/2014/main" xmlns="" id="{1EC98CBB-2FC3-4068-8310-0BA508931F67}"/>
               </a:ext>
             </a:extLst>
           </p:cNvPr>
@@ -2876,7 +2876,7 @@
           <p:cNvPr id="4" name="날짜 개체 틀 3">
             <a:extLst>
               <a:ext uri="{FF2B5EF4-FFF2-40B4-BE49-F238E27FC236}">
-                <a16:creationId xmlns="" xmlns:a16="http://schemas.microsoft.com/office/drawing/2014/main" id="{1903A797-6E42-4E25-BC83-1FADC0E55EE2}"/>
+                <a16:creationId xmlns:a16="http://schemas.microsoft.com/office/drawing/2014/main" xmlns="" id="{1903A797-6E42-4E25-BC83-1FADC0E55EE2}"/>
               </a:ext>
             </a:extLst>
           </p:cNvPr>
@@ -2912,7 +2912,7 @@
           <a:p>
             <a:fld id="{96E9B245-2076-40CB-ACDE-D58775C98695}" type="datetimeFigureOut">
               <a:rPr lang="ko-KR" altLang="en-US" smtClean="0"/>
-              <a:t>2020-11-26</a:t>
+              <a:t>2020-11-27</a:t>
             </a:fld>
             <a:endParaRPr lang="ko-KR" altLang="en-US"/>
           </a:p>
@@ -2923,7 +2923,7 @@
           <p:cNvPr id="5" name="바닥글 개체 틀 4">
             <a:extLst>
               <a:ext uri="{FF2B5EF4-FFF2-40B4-BE49-F238E27FC236}">
-                <a16:creationId xmlns="" xmlns:a16="http://schemas.microsoft.com/office/drawing/2014/main" id="{6D44985F-B7AC-4350-9FA5-9CE06C2CB19D}"/>
+                <a16:creationId xmlns:a16="http://schemas.microsoft.com/office/drawing/2014/main" xmlns="" id="{6D44985F-B7AC-4350-9FA5-9CE06C2CB19D}"/>
               </a:ext>
             </a:extLst>
           </p:cNvPr>
@@ -2966,7 +2966,7 @@
           <p:cNvPr id="6" name="슬라이드 번호 개체 틀 5">
             <a:extLst>
               <a:ext uri="{FF2B5EF4-FFF2-40B4-BE49-F238E27FC236}">
-                <a16:creationId xmlns="" xmlns:a16="http://schemas.microsoft.com/office/drawing/2014/main" id="{5D94944D-231A-4164-9D7D-2A58346C59B3}"/>
+                <a16:creationId xmlns:a16="http://schemas.microsoft.com/office/drawing/2014/main" xmlns="" id="{5D94944D-231A-4164-9D7D-2A58346C59B3}"/>
               </a:ext>
             </a:extLst>
           </p:cNvPr>
@@ -3342,7 +3342,7 @@
           <p:cNvPr id="2" name="제목 1">
             <a:extLst>
               <a:ext uri="{FF2B5EF4-FFF2-40B4-BE49-F238E27FC236}">
-                <a16:creationId xmlns="" xmlns:a16="http://schemas.microsoft.com/office/drawing/2014/main" id="{9D0D6DAD-010C-4B48-B2C8-A05307AE725D}"/>
+                <a16:creationId xmlns:a16="http://schemas.microsoft.com/office/drawing/2014/main" xmlns="" id="{9D0D6DAD-010C-4B48-B2C8-A05307AE725D}"/>
               </a:ext>
             </a:extLst>
           </p:cNvPr>
@@ -3430,7 +3430,7 @@
           <p:cNvPr id="3" name="부제목 2">
             <a:extLst>
               <a:ext uri="{FF2B5EF4-FFF2-40B4-BE49-F238E27FC236}">
-                <a16:creationId xmlns="" xmlns:a16="http://schemas.microsoft.com/office/drawing/2014/main" id="{440AE397-4916-4CFE-9463-2B4F1186D334}"/>
+                <a16:creationId xmlns:a16="http://schemas.microsoft.com/office/drawing/2014/main" xmlns="" id="{440AE397-4916-4CFE-9463-2B4F1186D334}"/>
               </a:ext>
             </a:extLst>
           </p:cNvPr>
@@ -3587,7 +3587,7 @@
           <p:cNvPr id="5" name="Picture 4">
             <a:extLst>
               <a:ext uri="{FF2B5EF4-FFF2-40B4-BE49-F238E27FC236}">
-                <a16:creationId xmlns="" xmlns:a16="http://schemas.microsoft.com/office/drawing/2014/main" id="{4A8BDF83-BAC0-48B1-8675-FC7376E27BCC}"/>
+                <a16:creationId xmlns:a16="http://schemas.microsoft.com/office/drawing/2014/main" xmlns="" id="{4A8BDF83-BAC0-48B1-8675-FC7376E27BCC}"/>
               </a:ext>
             </a:extLst>
           </p:cNvPr>
@@ -3634,7 +3634,7 @@
           <p:cNvPr id="7" name="Picture 2">
             <a:extLst>
               <a:ext uri="{FF2B5EF4-FFF2-40B4-BE49-F238E27FC236}">
-                <a16:creationId xmlns="" xmlns:a16="http://schemas.microsoft.com/office/drawing/2014/main" id="{777BC8B2-00BC-4EB0-9D05-54A41B77B1F5}"/>
+                <a16:creationId xmlns:a16="http://schemas.microsoft.com/office/drawing/2014/main" xmlns="" id="{777BC8B2-00BC-4EB0-9D05-54A41B77B1F5}"/>
               </a:ext>
             </a:extLst>
           </p:cNvPr>
@@ -3681,7 +3681,7 @@
           <p:cNvPr id="9" name="Picture 4" descr="비공식 자바스크립트 로고 2">
             <a:extLst>
               <a:ext uri="{FF2B5EF4-FFF2-40B4-BE49-F238E27FC236}">
-                <a16:creationId xmlns="" xmlns:a16="http://schemas.microsoft.com/office/drawing/2014/main" id="{80CEA20C-A6CC-4F11-99DF-C823A24600A9}"/>
+                <a16:creationId xmlns:a16="http://schemas.microsoft.com/office/drawing/2014/main" xmlns="" id="{80CEA20C-A6CC-4F11-99DF-C823A24600A9}"/>
               </a:ext>
             </a:extLst>
           </p:cNvPr>
@@ -3728,7 +3728,7 @@
           <p:cNvPr id="11" name="그림 10">
             <a:extLst>
               <a:ext uri="{FF2B5EF4-FFF2-40B4-BE49-F238E27FC236}">
-                <a16:creationId xmlns="" xmlns:a16="http://schemas.microsoft.com/office/drawing/2014/main" id="{3C77096E-704A-4A2D-846E-C8F8D2D7D2A4}"/>
+                <a16:creationId xmlns:a16="http://schemas.microsoft.com/office/drawing/2014/main" xmlns="" id="{3C77096E-704A-4A2D-846E-C8F8D2D7D2A4}"/>
               </a:ext>
             </a:extLst>
           </p:cNvPr>
@@ -3796,7 +3796,7 @@
           <p:cNvPr id="8" name="TextBox 7">
             <a:extLst>
               <a:ext uri="{FF2B5EF4-FFF2-40B4-BE49-F238E27FC236}">
-                <a16:creationId xmlns="" xmlns:a16="http://schemas.microsoft.com/office/drawing/2014/main" id="{351F780C-4680-4C7D-868D-1B6A9DA00B13}"/>
+                <a16:creationId xmlns:a16="http://schemas.microsoft.com/office/drawing/2014/main" xmlns="" id="{351F780C-4680-4C7D-868D-1B6A9DA00B13}"/>
               </a:ext>
             </a:extLst>
           </p:cNvPr>
@@ -3883,7 +3883,7 @@
           <p:cNvPr id="10" name="TextBox 9">
             <a:extLst>
               <a:ext uri="{FF2B5EF4-FFF2-40B4-BE49-F238E27FC236}">
-                <a16:creationId xmlns="" xmlns:a16="http://schemas.microsoft.com/office/drawing/2014/main" id="{2C8970D1-2123-4299-92C0-214B44943EE8}"/>
+                <a16:creationId xmlns:a16="http://schemas.microsoft.com/office/drawing/2014/main" xmlns="" id="{2C8970D1-2123-4299-92C0-214B44943EE8}"/>
               </a:ext>
             </a:extLst>
           </p:cNvPr>
@@ -4506,7 +4506,7 @@
           <p:cNvPr id="11" name="직사각형 10">
             <a:extLst>
               <a:ext uri="{FF2B5EF4-FFF2-40B4-BE49-F238E27FC236}">
-                <a16:creationId xmlns="" xmlns:a16="http://schemas.microsoft.com/office/drawing/2014/main" id="{FEDE409B-423E-4516-ADC9-5A3391D98417}"/>
+                <a16:creationId xmlns:a16="http://schemas.microsoft.com/office/drawing/2014/main" xmlns="" id="{FEDE409B-423E-4516-ADC9-5A3391D98417}"/>
               </a:ext>
             </a:extLst>
           </p:cNvPr>
@@ -4581,11 +4581,7 @@
           <a:p>
             <a:r>
               <a:rPr lang="ko-KR" altLang="en-US" dirty="0" smtClean="0"/>
-              <a:t>필기구를 인식해서 인식한 필기구의 구매 사이트를 연결 시키기</a:t>
-            </a:r>
-            <a:r>
-              <a:rPr lang="en-US" altLang="ko-KR" dirty="0" smtClean="0"/>
-              <a:t>.</a:t>
+              <a:t>사람의 얼굴을 인식해서 비슷한 얼굴의 동물을 찾아주기</a:t>
             </a:r>
             <a:endParaRPr lang="ko-KR" altLang="en-US" dirty="0"/>
           </a:p>
@@ -4634,7 +4630,7 @@
           <p:cNvPr id="8" name="TextBox 7">
             <a:extLst>
               <a:ext uri="{FF2B5EF4-FFF2-40B4-BE49-F238E27FC236}">
-                <a16:creationId xmlns="" xmlns:a16="http://schemas.microsoft.com/office/drawing/2014/main" id="{351F780C-4680-4C7D-868D-1B6A9DA00B13}"/>
+                <a16:creationId xmlns:a16="http://schemas.microsoft.com/office/drawing/2014/main" xmlns="" id="{351F780C-4680-4C7D-868D-1B6A9DA00B13}"/>
               </a:ext>
             </a:extLst>
           </p:cNvPr>
@@ -4691,7 +4687,7 @@
           <p:cNvPr id="10" name="TextBox 9">
             <a:extLst>
               <a:ext uri="{FF2B5EF4-FFF2-40B4-BE49-F238E27FC236}">
-                <a16:creationId xmlns="" xmlns:a16="http://schemas.microsoft.com/office/drawing/2014/main" id="{2C8970D1-2123-4299-92C0-214B44943EE8}"/>
+                <a16:creationId xmlns:a16="http://schemas.microsoft.com/office/drawing/2014/main" xmlns="" id="{2C8970D1-2123-4299-92C0-214B44943EE8}"/>
               </a:ext>
             </a:extLst>
           </p:cNvPr>
@@ -4779,7 +4775,7 @@
           <p:cNvPr id="3" name="그림 2">
             <a:extLst>
               <a:ext uri="{FF2B5EF4-FFF2-40B4-BE49-F238E27FC236}">
-                <a16:creationId xmlns="" xmlns:a16="http://schemas.microsoft.com/office/drawing/2014/main" id="{77CEEC37-4B46-441C-806A-B22680781148}"/>
+                <a16:creationId xmlns:a16="http://schemas.microsoft.com/office/drawing/2014/main" xmlns="" id="{77CEEC37-4B46-441C-806A-B22680781148}"/>
               </a:ext>
             </a:extLst>
           </p:cNvPr>
@@ -4809,7 +4805,7 @@
           <p:cNvPr id="4" name="TextBox 3">
             <a:extLst>
               <a:ext uri="{FF2B5EF4-FFF2-40B4-BE49-F238E27FC236}">
-                <a16:creationId xmlns="" xmlns:a16="http://schemas.microsoft.com/office/drawing/2014/main" id="{E4187A56-DEAC-4A3C-A47E-FA4AD926FF1F}"/>
+                <a16:creationId xmlns:a16="http://schemas.microsoft.com/office/drawing/2014/main" xmlns="" id="{E4187A56-DEAC-4A3C-A47E-FA4AD926FF1F}"/>
               </a:ext>
             </a:extLst>
           </p:cNvPr>
@@ -4852,7 +4848,7 @@
           <p:cNvPr id="5" name="직사각형 4">
             <a:extLst>
               <a:ext uri="{FF2B5EF4-FFF2-40B4-BE49-F238E27FC236}">
-                <a16:creationId xmlns="" xmlns:a16="http://schemas.microsoft.com/office/drawing/2014/main" id="{A58BCCF3-E8AF-42B0-A84B-60219650C0A0}"/>
+                <a16:creationId xmlns:a16="http://schemas.microsoft.com/office/drawing/2014/main" xmlns="" id="{A58BCCF3-E8AF-42B0-A84B-60219650C0A0}"/>
               </a:ext>
             </a:extLst>
           </p:cNvPr>
@@ -4908,7 +4904,7 @@
           <p:cNvPr id="7" name="TextBox 6">
             <a:extLst>
               <a:ext uri="{FF2B5EF4-FFF2-40B4-BE49-F238E27FC236}">
-                <a16:creationId xmlns="" xmlns:a16="http://schemas.microsoft.com/office/drawing/2014/main" id="{B42928C6-37CF-4D60-B863-C64279CA55A7}"/>
+                <a16:creationId xmlns:a16="http://schemas.microsoft.com/office/drawing/2014/main" xmlns="" id="{B42928C6-37CF-4D60-B863-C64279CA55A7}"/>
               </a:ext>
             </a:extLst>
           </p:cNvPr>
@@ -5037,7 +5033,7 @@
           <p:cNvPr id="8" name="TextBox 7">
             <a:extLst>
               <a:ext uri="{FF2B5EF4-FFF2-40B4-BE49-F238E27FC236}">
-                <a16:creationId xmlns="" xmlns:a16="http://schemas.microsoft.com/office/drawing/2014/main" id="{351F780C-4680-4C7D-868D-1B6A9DA00B13}"/>
+                <a16:creationId xmlns:a16="http://schemas.microsoft.com/office/drawing/2014/main" xmlns="" id="{351F780C-4680-4C7D-868D-1B6A9DA00B13}"/>
               </a:ext>
             </a:extLst>
           </p:cNvPr>
@@ -5094,7 +5090,7 @@
           <p:cNvPr id="10" name="TextBox 9">
             <a:extLst>
               <a:ext uri="{FF2B5EF4-FFF2-40B4-BE49-F238E27FC236}">
-                <a16:creationId xmlns="" xmlns:a16="http://schemas.microsoft.com/office/drawing/2014/main" id="{2C8970D1-2123-4299-92C0-214B44943EE8}"/>
+                <a16:creationId xmlns:a16="http://schemas.microsoft.com/office/drawing/2014/main" xmlns="" id="{2C8970D1-2123-4299-92C0-214B44943EE8}"/>
               </a:ext>
             </a:extLst>
           </p:cNvPr>
@@ -5151,7 +5147,45 @@
                 </a:solidFill>
                 <a:latin typeface="+mn-ea"/>
               </a:rPr>
-              <a:t>웹 애플리케이션의 이름은</a:t>
+              <a:t>웹 애플리케이션의 </a:t>
+            </a:r>
+            <a:r>
+              <a:rPr lang="ko-KR" altLang="en-US" sz="1600" dirty="0" smtClean="0">
+                <a:solidFill>
+                  <a:schemeClr val="tx1">
+                    <a:lumMod val="85000"/>
+                    <a:lumOff val="15000"/>
+                  </a:schemeClr>
+                </a:solidFill>
+                <a:latin typeface="+mn-ea"/>
+              </a:rPr>
+              <a:t>이름은</a:t>
+            </a:r>
+            <a:r>
+              <a:rPr lang="en-US" altLang="ko-KR" sz="1600" dirty="0" smtClean="0">
+                <a:solidFill>
+                  <a:schemeClr val="tx1">
+                    <a:lumMod val="85000"/>
+                    <a:lumOff val="15000"/>
+                  </a:schemeClr>
+                </a:solidFill>
+                <a:latin typeface="+mn-ea"/>
+              </a:rPr>
+              <a:t>?</a:t>
+            </a:r>
+          </a:p>
+          <a:p>
+            <a:r>
+              <a:rPr lang="ko-KR" altLang="en-US" sz="1600" dirty="0" smtClean="0">
+                <a:solidFill>
+                  <a:schemeClr val="tx1">
+                    <a:lumMod val="85000"/>
+                    <a:lumOff val="15000"/>
+                  </a:schemeClr>
+                </a:solidFill>
+                <a:latin typeface="+mn-ea"/>
+              </a:rPr>
+              <a:t>자신의 동물상 찾기</a:t>
             </a:r>
             <a:r>
               <a:rPr lang="en-US" altLang="ko-KR" sz="1600" dirty="0">
@@ -5163,7 +5197,7 @@
                 </a:solidFill>
                 <a:latin typeface="+mn-ea"/>
               </a:rPr>
-              <a:t>?</a:t>
+              <a:t/>
             </a:r>
             <a:br>
               <a:rPr lang="en-US" altLang="ko-KR" sz="1600" dirty="0">
@@ -5177,18 +5211,6 @@
               </a:rPr>
             </a:br>
             <a:r>
-              <a:rPr lang="ko-KR" altLang="en-US" sz="1600" dirty="0" smtClean="0">
-                <a:solidFill>
-                  <a:schemeClr val="tx1">
-                    <a:lumMod val="85000"/>
-                    <a:lumOff val="15000"/>
-                  </a:schemeClr>
-                </a:solidFill>
-                <a:latin typeface="+mn-ea"/>
-              </a:rPr>
-              <a:t>필기구 인식 구매</a:t>
-            </a:r>
-            <a:r>
               <a:rPr lang="en-US" altLang="ko-KR" sz="1600" dirty="0">
                 <a:solidFill>
                   <a:schemeClr val="tx1">
@@ -5221,6 +5243,101 @@
                 </a:solidFill>
                 <a:latin typeface="+mn-ea"/>
               </a:rPr>
+              <a:t>2. </a:t>
+            </a:r>
+            <a:r>
+              <a:rPr lang="ko-KR" altLang="en-US" sz="1600" dirty="0" smtClean="0">
+                <a:solidFill>
+                  <a:schemeClr val="tx1">
+                    <a:lumMod val="85000"/>
+                    <a:lumOff val="15000"/>
+                  </a:schemeClr>
+                </a:solidFill>
+                <a:latin typeface="+mn-ea"/>
+              </a:rPr>
+              <a:t>무엇을 </a:t>
+            </a:r>
+            <a:r>
+              <a:rPr lang="ko-KR" altLang="en-US" sz="1600" dirty="0">
+                <a:solidFill>
+                  <a:schemeClr val="tx1">
+                    <a:lumMod val="85000"/>
+                    <a:lumOff val="15000"/>
+                  </a:schemeClr>
+                </a:solidFill>
+                <a:latin typeface="+mn-ea"/>
+              </a:rPr>
+              <a:t>하는 이미지 분류 </a:t>
+            </a:r>
+            <a:r>
+              <a:rPr lang="ko-KR" altLang="en-US" sz="1600" dirty="0" smtClean="0">
+                <a:solidFill>
+                  <a:schemeClr val="tx1">
+                    <a:lumMod val="85000"/>
+                    <a:lumOff val="15000"/>
+                  </a:schemeClr>
+                </a:solidFill>
+                <a:latin typeface="+mn-ea"/>
+              </a:rPr>
+              <a:t>모델인가요</a:t>
+            </a:r>
+            <a:r>
+              <a:rPr lang="en-US" altLang="ko-KR" sz="1600" dirty="0" smtClean="0">
+                <a:solidFill>
+                  <a:schemeClr val="tx1">
+                    <a:lumMod val="85000"/>
+                    <a:lumOff val="15000"/>
+                  </a:schemeClr>
+                </a:solidFill>
+                <a:latin typeface="+mn-ea"/>
+              </a:rPr>
+              <a:t>?</a:t>
+            </a:r>
+            <a:endParaRPr lang="en-US" altLang="ko-KR" sz="1600" dirty="0">
+              <a:solidFill>
+                <a:schemeClr val="tx1">
+                  <a:lumMod val="85000"/>
+                  <a:lumOff val="15000"/>
+                </a:schemeClr>
+              </a:solidFill>
+              <a:latin typeface="+mn-ea"/>
+            </a:endParaRPr>
+          </a:p>
+          <a:p>
+            <a:r>
+              <a:rPr lang="ko-KR" altLang="en-US" sz="1600" dirty="0" smtClean="0">
+                <a:solidFill>
+                  <a:schemeClr val="tx1">
+                    <a:lumMod val="85000"/>
+                    <a:lumOff val="15000"/>
+                  </a:schemeClr>
+                </a:solidFill>
+                <a:latin typeface="+mn-ea"/>
+              </a:rPr>
+              <a:t>동물과 인식한 얼굴을 분류한다</a:t>
+            </a:r>
+            <a:r>
+              <a:rPr lang="en-US" altLang="ko-KR" sz="1600" smtClean="0">
+                <a:solidFill>
+                  <a:schemeClr val="tx1">
+                    <a:lumMod val="85000"/>
+                    <a:lumOff val="15000"/>
+                  </a:schemeClr>
+                </a:solidFill>
+                <a:latin typeface="+mn-ea"/>
+              </a:rPr>
+              <a:t>..</a:t>
+            </a:r>
+            <a:r>
+              <a:rPr lang="en-US" altLang="ko-KR" sz="1600" dirty="0">
+                <a:solidFill>
+                  <a:schemeClr val="tx1">
+                    <a:lumMod val="85000"/>
+                    <a:lumOff val="15000"/>
+                  </a:schemeClr>
+                </a:solidFill>
+                <a:latin typeface="+mn-ea"/>
+              </a:rPr>
               <a:t/>
             </a:r>
             <a:br>
@@ -5244,43 +5361,7 @@
                 </a:solidFill>
                 <a:latin typeface="+mn-ea"/>
               </a:rPr>
-              <a:t>2. </a:t>
-            </a:r>
-            <a:r>
-              <a:rPr lang="ko-KR" altLang="en-US" sz="1600" dirty="0" smtClean="0">
-                <a:solidFill>
-                  <a:schemeClr val="tx1">
-                    <a:lumMod val="85000"/>
-                    <a:lumOff val="15000"/>
-                  </a:schemeClr>
-                </a:solidFill>
-                <a:latin typeface="+mn-ea"/>
-              </a:rPr>
-              <a:t>무엇을 </a:t>
-            </a:r>
-            <a:r>
-              <a:rPr lang="ko-KR" altLang="en-US" sz="1600" dirty="0">
-                <a:solidFill>
-                  <a:schemeClr val="tx1">
-                    <a:lumMod val="85000"/>
-                    <a:lumOff val="15000"/>
-                  </a:schemeClr>
-                </a:solidFill>
-                <a:latin typeface="+mn-ea"/>
-              </a:rPr>
-              <a:t>하는 이미지 분류 모델인가요</a:t>
-            </a:r>
-            <a:r>
-              <a:rPr lang="en-US" altLang="ko-KR" sz="1600" dirty="0">
-                <a:solidFill>
-                  <a:schemeClr val="tx1">
-                    <a:lumMod val="85000"/>
-                    <a:lumOff val="15000"/>
-                  </a:schemeClr>
-                </a:solidFill>
-                <a:latin typeface="+mn-ea"/>
-              </a:rPr>
-              <a:t>?</a:t>
+              <a:t/>
             </a:r>
             <a:br>
               <a:rPr lang="en-US" altLang="ko-KR" sz="1600" dirty="0">
@@ -5294,16 +5375,16 @@
               </a:rPr>
             </a:br>
             <a:r>
-              <a:rPr lang="ko-KR" altLang="en-US" sz="1600" dirty="0" smtClean="0">
-                <a:solidFill>
-                  <a:schemeClr val="tx1">
-                    <a:lumMod val="85000"/>
-                    <a:lumOff val="15000"/>
-                  </a:schemeClr>
-                </a:solidFill>
-                <a:latin typeface="+mn-ea"/>
-              </a:rPr>
-              <a:t>필기구를 인식해 관련 필기구를 구매 할 수 </a:t>
+              <a:rPr lang="en-US" altLang="ko-KR" sz="1600" dirty="0">
+                <a:solidFill>
+                  <a:schemeClr val="tx1">
+                    <a:lumMod val="85000"/>
+                    <a:lumOff val="15000"/>
+                  </a:schemeClr>
+                </a:solidFill>
+                <a:latin typeface="+mn-ea"/>
+              </a:rPr>
+              <a:t>3. </a:t>
             </a:r>
             <a:r>
               <a:rPr lang="ko-KR" altLang="en-US" sz="1600" dirty="0">
@@ -5315,19 +5396,7 @@
                 </a:solidFill>
                 <a:latin typeface="+mn-ea"/>
               </a:rPr>
-              <a:t>있</a:t>
-            </a:r>
-            <a:r>
-              <a:rPr lang="ko-KR" altLang="en-US" sz="1600" dirty="0" smtClean="0">
-                <a:solidFill>
-                  <a:schemeClr val="tx1">
-                    <a:lumMod val="85000"/>
-                    <a:lumOff val="15000"/>
-                  </a:schemeClr>
-                </a:solidFill>
-                <a:latin typeface="+mn-ea"/>
-              </a:rPr>
-              <a:t>도록 한다</a:t>
+              <a:t>모델을 이용하여 웹 애플리케이션은 무엇은 하나요</a:t>
             </a:r>
             <a:r>
               <a:rPr lang="en-US" altLang="ko-KR" sz="1600" dirty="0" smtClean="0">
@@ -5339,103 +5408,33 @@
                 </a:solidFill>
                 <a:latin typeface="+mn-ea"/>
               </a:rPr>
+              <a:t>?</a:t>
+            </a:r>
+          </a:p>
+          <a:p>
+            <a:r>
+              <a:rPr lang="ko-KR" altLang="en-US" sz="1600" dirty="0">
+                <a:solidFill>
+                  <a:schemeClr val="tx1">
+                    <a:lumMod val="85000"/>
+                    <a:lumOff val="15000"/>
+                  </a:schemeClr>
+                </a:solidFill>
+                <a:latin typeface="+mn-ea"/>
+              </a:rPr>
+              <a:t>자신의 얼굴을 인식시켜 자신의 얼굴상과 닮은 동물의 종을 알려준다</a:t>
+            </a:r>
+            <a:r>
+              <a:rPr lang="en-US" altLang="ko-KR" sz="1600" dirty="0" smtClean="0">
+                <a:solidFill>
+                  <a:schemeClr val="tx1">
+                    <a:lumMod val="85000"/>
+                    <a:lumOff val="15000"/>
+                  </a:schemeClr>
+                </a:solidFill>
+                <a:latin typeface="+mn-ea"/>
+              </a:rPr>
               <a:t>.</a:t>
-            </a:r>
-            <a:r>
-              <a:rPr lang="en-US" altLang="ko-KR" sz="1600" dirty="0">
-                <a:solidFill>
-                  <a:schemeClr val="tx1">
-                    <a:lumMod val="85000"/>
-                    <a:lumOff val="15000"/>
-                  </a:schemeClr>
-                </a:solidFill>
-                <a:latin typeface="+mn-ea"/>
-              </a:rPr>
-              <a:t/>
-            </a:r>
-            <a:br>
-              <a:rPr lang="en-US" altLang="ko-KR" sz="1600" dirty="0">
-                <a:solidFill>
-                  <a:schemeClr val="tx1">
-                    <a:lumMod val="85000"/>
-                    <a:lumOff val="15000"/>
-                  </a:schemeClr>
-                </a:solidFill>
-                <a:latin typeface="+mn-ea"/>
-              </a:rPr>
-            </a:br>
-            <a:r>
-              <a:rPr lang="en-US" altLang="ko-KR" sz="1600" dirty="0">
-                <a:solidFill>
-                  <a:schemeClr val="tx1">
-                    <a:lumMod val="85000"/>
-                    <a:lumOff val="15000"/>
-                  </a:schemeClr>
-                </a:solidFill>
-                <a:latin typeface="+mn-ea"/>
-              </a:rPr>
-              <a:t/>
-            </a:r>
-            <a:br>
-              <a:rPr lang="en-US" altLang="ko-KR" sz="1600" dirty="0">
-                <a:solidFill>
-                  <a:schemeClr val="tx1">
-                    <a:lumMod val="85000"/>
-                    <a:lumOff val="15000"/>
-                  </a:schemeClr>
-                </a:solidFill>
-                <a:latin typeface="+mn-ea"/>
-              </a:rPr>
-            </a:br>
-            <a:r>
-              <a:rPr lang="en-US" altLang="ko-KR" sz="1600" dirty="0">
-                <a:solidFill>
-                  <a:schemeClr val="tx1">
-                    <a:lumMod val="85000"/>
-                    <a:lumOff val="15000"/>
-                  </a:schemeClr>
-                </a:solidFill>
-                <a:latin typeface="+mn-ea"/>
-              </a:rPr>
-              <a:t>3. </a:t>
-            </a:r>
-            <a:r>
-              <a:rPr lang="ko-KR" altLang="en-US" sz="1600" dirty="0">
-                <a:solidFill>
-                  <a:schemeClr val="tx1">
-                    <a:lumMod val="85000"/>
-                    <a:lumOff val="15000"/>
-                  </a:schemeClr>
-                </a:solidFill>
-                <a:latin typeface="+mn-ea"/>
-              </a:rPr>
-              <a:t>모델을 이용하여 웹 애플리케이션은 무엇은 하나요</a:t>
-            </a:r>
-            <a:r>
-              <a:rPr lang="en-US" altLang="ko-KR" sz="1600" dirty="0" smtClean="0">
-                <a:solidFill>
-                  <a:schemeClr val="tx1">
-                    <a:lumMod val="85000"/>
-                    <a:lumOff val="15000"/>
-                  </a:schemeClr>
-                </a:solidFill>
-                <a:latin typeface="+mn-ea"/>
-              </a:rPr>
-              <a:t>?</a:t>
-            </a:r>
-          </a:p>
-          <a:p>
-            <a:r>
-              <a:rPr lang="ko-KR" altLang="en-US" sz="1600" dirty="0" smtClean="0">
-                <a:solidFill>
-                  <a:schemeClr val="tx1">
-                    <a:lumMod val="85000"/>
-                    <a:lumOff val="15000"/>
-                  </a:schemeClr>
-                </a:solidFill>
-                <a:latin typeface="+mn-ea"/>
-              </a:rPr>
-              <a:t>인식하고 관련 사이트를 여는 역할</a:t>
             </a:r>
             <a:endParaRPr lang="en-US" altLang="ko-KR" sz="1600" dirty="0" smtClean="0">
               <a:solidFill>
@@ -5454,7 +5453,7 @@
           <p:cNvPr id="17" name="TextBox 16">
             <a:extLst>
               <a:ext uri="{FF2B5EF4-FFF2-40B4-BE49-F238E27FC236}">
-                <a16:creationId xmlns="" xmlns:a16="http://schemas.microsoft.com/office/drawing/2014/main" id="{94F157CB-72CA-4A34-ACFB-7E8E970A4694}"/>
+                <a16:creationId xmlns:a16="http://schemas.microsoft.com/office/drawing/2014/main" xmlns="" id="{94F157CB-72CA-4A34-ACFB-7E8E970A4694}"/>
               </a:ext>
             </a:extLst>
           </p:cNvPr>
@@ -5511,7 +5510,7 @@
           <p:cNvPr id="19" name="TextBox 18">
             <a:extLst>
               <a:ext uri="{FF2B5EF4-FFF2-40B4-BE49-F238E27FC236}">
-                <a16:creationId xmlns="" xmlns:a16="http://schemas.microsoft.com/office/drawing/2014/main" id="{FD14AB26-3BEA-479A-BAB4-816E4E65DE8F}"/>
+                <a16:creationId xmlns:a16="http://schemas.microsoft.com/office/drawing/2014/main" xmlns="" id="{FD14AB26-3BEA-479A-BAB4-816E4E65DE8F}"/>
               </a:ext>
             </a:extLst>
           </p:cNvPr>
@@ -5575,7 +5574,7 @@
           <p:cNvPr id="21" name="TextBox 20">
             <a:extLst>
               <a:ext uri="{FF2B5EF4-FFF2-40B4-BE49-F238E27FC236}">
-                <a16:creationId xmlns="" xmlns:a16="http://schemas.microsoft.com/office/drawing/2014/main" id="{F269DC2A-6D73-4A1B-B65D-43407683EC46}"/>
+                <a16:creationId xmlns:a16="http://schemas.microsoft.com/office/drawing/2014/main" xmlns="" id="{F269DC2A-6D73-4A1B-B65D-43407683EC46}"/>
               </a:ext>
             </a:extLst>
           </p:cNvPr>
